--- a/데이터분석.pptx
+++ b/데이터분석.pptx
@@ -6,6 +6,11 @@
   </p:sldMasterIdLst>
   <p:sldIdLst>
     <p:sldId id="256" r:id="rId2"/>
+    <p:sldId id="257" r:id="rId3"/>
+    <p:sldId id="258" r:id="rId4"/>
+    <p:sldId id="259" r:id="rId5"/>
+    <p:sldId id="260" r:id="rId6"/>
+    <p:sldId id="261" r:id="rId7"/>
   </p:sldIdLst>
   <p:sldSz cx="12192000" cy="6858000"/>
   <p:notesSz cx="6858000" cy="9144000"/>
@@ -3326,10 +3331,3133 @@
           <a:chExt cx="0" cy="0"/>
         </a:xfrm>
       </p:grpSpPr>
+      <p:sp>
+        <p:nvSpPr>
+          <p:cNvPr id="4" name="TextBox 3">
+            <a:extLst>
+              <a:ext uri="{FF2B5EF4-FFF2-40B4-BE49-F238E27FC236}">
+                <a16:creationId xmlns:a16="http://schemas.microsoft.com/office/drawing/2014/main" id="{74C3BB38-2055-41D0-A474-AE12AE90ABBF}"/>
+              </a:ext>
+            </a:extLst>
+          </p:cNvPr>
+          <p:cNvSpPr txBox="1"/>
+          <p:nvPr/>
+        </p:nvSpPr>
+        <p:spPr>
+          <a:xfrm>
+            <a:off x="316872" y="162962"/>
+            <a:ext cx="4916731" cy="2246769"/>
+          </a:xfrm>
+          <a:prstGeom prst="rect">
+            <a:avLst/>
+          </a:prstGeom>
+          <a:noFill/>
+        </p:spPr>
+        <p:txBody>
+          <a:bodyPr wrap="none" rtlCol="0">
+            <a:spAutoFit/>
+          </a:bodyPr>
+          <a:lstStyle/>
+          <a:p>
+            <a:pPr algn="l"/>
+            <a:r>
+              <a:rPr lang="fr-FR" altLang="ko-KR" sz="2800">
+                <a:latin typeface="Consolas" panose="020B0609020204030204" pitchFamily="49" charset="0"/>
+              </a:rPr>
+              <a:t>import numpy as np</a:t>
+            </a:r>
+          </a:p>
+          <a:p>
+            <a:pPr algn="l"/>
+            <a:endParaRPr lang="fr-FR" altLang="ko-KR" sz="2800">
+              <a:latin typeface="Consolas" panose="020B0609020204030204" pitchFamily="49" charset="0"/>
+            </a:endParaRPr>
+          </a:p>
+          <a:p>
+            <a:pPr algn="l"/>
+            <a:r>
+              <a:rPr lang="fr-FR" altLang="ko-KR" sz="2800">
+                <a:latin typeface="Consolas" panose="020B0609020204030204" pitchFamily="49" charset="0"/>
+              </a:rPr>
+              <a:t>t = np.arange(0,12,0.01)</a:t>
+            </a:r>
+          </a:p>
+          <a:p>
+            <a:pPr algn="l"/>
+            <a:r>
+              <a:rPr lang="fr-FR" altLang="ko-KR" sz="2800">
+                <a:latin typeface="Consolas" panose="020B0609020204030204" pitchFamily="49" charset="0"/>
+              </a:rPr>
+              <a:t># print(len(t))</a:t>
+            </a:r>
+          </a:p>
+          <a:p>
+            <a:pPr algn="l"/>
+            <a:r>
+              <a:rPr lang="fr-FR" altLang="ko-KR" sz="2800">
+                <a:latin typeface="Consolas" panose="020B0609020204030204" pitchFamily="49" charset="0"/>
+              </a:rPr>
+              <a:t>y = np.sin(t)</a:t>
+            </a:r>
+            <a:endParaRPr lang="ko-KR" altLang="en-US" sz="2800" dirty="0">
+              <a:latin typeface="Consolas" panose="020B0609020204030204" pitchFamily="49" charset="0"/>
+            </a:endParaRPr>
+          </a:p>
+        </p:txBody>
+      </p:sp>
+      <p:sp>
+        <p:nvSpPr>
+          <p:cNvPr id="5" name="타원 4">
+            <a:extLst>
+              <a:ext uri="{FF2B5EF4-FFF2-40B4-BE49-F238E27FC236}">
+                <a16:creationId xmlns:a16="http://schemas.microsoft.com/office/drawing/2014/main" id="{A61BE5A1-9E89-48CB-80B5-F785CABA9429}"/>
+              </a:ext>
+            </a:extLst>
+          </p:cNvPr>
+          <p:cNvSpPr/>
+          <p:nvPr/>
+        </p:nvSpPr>
+        <p:spPr>
+          <a:xfrm>
+            <a:off x="6735778" y="389299"/>
+            <a:ext cx="2020432" cy="2020432"/>
+          </a:xfrm>
+          <a:prstGeom prst="ellipse">
+            <a:avLst/>
+          </a:prstGeom>
+          <a:solidFill>
+            <a:srgbClr val="FFFF00"/>
+          </a:solidFill>
+        </p:spPr>
+        <p:style>
+          <a:lnRef idx="2">
+            <a:schemeClr val="accent1">
+              <a:shade val="50000"/>
+            </a:schemeClr>
+          </a:lnRef>
+          <a:fillRef idx="1">
+            <a:schemeClr val="accent1"/>
+          </a:fillRef>
+          <a:effectRef idx="0">
+            <a:schemeClr val="accent1"/>
+          </a:effectRef>
+          <a:fontRef idx="minor">
+            <a:schemeClr val="lt1"/>
+          </a:fontRef>
+        </p:style>
+        <p:txBody>
+          <a:bodyPr rot="0" spcFirstLastPara="0" vertOverflow="overflow" horzOverflow="overflow" vert="horz" wrap="square" lIns="91440" tIns="45720" rIns="91440" bIns="45720" numCol="1" spcCol="0" rtlCol="0" fromWordArt="0" anchor="ctr" anchorCtr="0" forceAA="0" compatLnSpc="1">
+            <a:prstTxWarp prst="textNoShape">
+              <a:avLst/>
+            </a:prstTxWarp>
+            <a:noAutofit/>
+          </a:bodyPr>
+          <a:lstStyle/>
+          <a:p>
+            <a:pPr algn="ctr"/>
+            <a:endParaRPr lang="ko-KR" altLang="en-US" sz="2000" dirty="0">
+              <a:solidFill>
+                <a:schemeClr val="tx1"/>
+              </a:solidFill>
+            </a:endParaRPr>
+          </a:p>
+        </p:txBody>
+      </p:sp>
+      <p:cxnSp>
+        <p:nvCxnSpPr>
+          <p:cNvPr id="7" name="직선 연결선 6">
+            <a:extLst>
+              <a:ext uri="{FF2B5EF4-FFF2-40B4-BE49-F238E27FC236}">
+                <a16:creationId xmlns:a16="http://schemas.microsoft.com/office/drawing/2014/main" id="{32E20999-3531-4C51-B5FE-FF7950D1F4D4}"/>
+              </a:ext>
+            </a:extLst>
+          </p:cNvPr>
+          <p:cNvCxnSpPr>
+            <a:cxnSpLocks/>
+            <a:endCxn id="5" idx="0"/>
+          </p:cNvCxnSpPr>
+          <p:nvPr/>
+        </p:nvCxnSpPr>
+        <p:spPr>
+          <a:xfrm flipV="1">
+            <a:off x="7745994" y="389299"/>
+            <a:ext cx="0" cy="1023042"/>
+          </a:xfrm>
+          <a:prstGeom prst="line">
+            <a:avLst/>
+          </a:prstGeom>
+        </p:spPr>
+        <p:style>
+          <a:lnRef idx="1">
+            <a:schemeClr val="accent1"/>
+          </a:lnRef>
+          <a:fillRef idx="0">
+            <a:schemeClr val="accent1"/>
+          </a:fillRef>
+          <a:effectRef idx="0">
+            <a:schemeClr val="accent1"/>
+          </a:effectRef>
+          <a:fontRef idx="minor">
+            <a:schemeClr val="tx1"/>
+          </a:fontRef>
+        </p:style>
+      </p:cxnSp>
+      <p:cxnSp>
+        <p:nvCxnSpPr>
+          <p:cNvPr id="9" name="직선 연결선 8">
+            <a:extLst>
+              <a:ext uri="{FF2B5EF4-FFF2-40B4-BE49-F238E27FC236}">
+                <a16:creationId xmlns:a16="http://schemas.microsoft.com/office/drawing/2014/main" id="{637B92D2-0F37-4DD8-8E3D-8A7BA0682F23}"/>
+              </a:ext>
+            </a:extLst>
+          </p:cNvPr>
+          <p:cNvCxnSpPr>
+            <a:cxnSpLocks/>
+          </p:cNvCxnSpPr>
+          <p:nvPr/>
+        </p:nvCxnSpPr>
+        <p:spPr>
+          <a:xfrm flipV="1">
+            <a:off x="7745994" y="900820"/>
+            <a:ext cx="872905" cy="511521"/>
+          </a:xfrm>
+          <a:prstGeom prst="line">
+            <a:avLst/>
+          </a:prstGeom>
+        </p:spPr>
+        <p:style>
+          <a:lnRef idx="1">
+            <a:schemeClr val="accent1"/>
+          </a:lnRef>
+          <a:fillRef idx="0">
+            <a:schemeClr val="accent1"/>
+          </a:fillRef>
+          <a:effectRef idx="0">
+            <a:schemeClr val="accent1"/>
+          </a:effectRef>
+          <a:fontRef idx="minor">
+            <a:schemeClr val="tx1"/>
+          </a:fontRef>
+        </p:style>
+      </p:cxnSp>
+      <mc:AlternateContent xmlns:mc="http://schemas.openxmlformats.org/markup-compatibility/2006">
+        <mc:Choice xmlns:a14="http://schemas.microsoft.com/office/drawing/2010/main" Requires="a14">
+          <p:sp>
+            <p:nvSpPr>
+              <p:cNvPr id="12" name="TextBox 11">
+                <a:extLst>
+                  <a:ext uri="{FF2B5EF4-FFF2-40B4-BE49-F238E27FC236}">
+                    <a16:creationId xmlns:a16="http://schemas.microsoft.com/office/drawing/2014/main" id="{767E4E73-F028-4E53-9A5C-4DEB1BE712F3}"/>
+                  </a:ext>
+                </a:extLst>
+              </p:cNvPr>
+              <p:cNvSpPr txBox="1"/>
+              <p:nvPr/>
+            </p:nvSpPr>
+            <p:spPr>
+              <a:xfrm>
+                <a:off x="7745994" y="874320"/>
+                <a:ext cx="409664" cy="430887"/>
+              </a:xfrm>
+              <a:prstGeom prst="rect">
+                <a:avLst/>
+              </a:prstGeom>
+              <a:noFill/>
+            </p:spPr>
+            <p:txBody>
+              <a:bodyPr wrap="none" lIns="0" tIns="0" rIns="0" bIns="0" rtlCol="0">
+                <a:spAutoFit/>
+              </a:bodyPr>
+              <a:lstStyle/>
+              <a:p>
+                <a:pPr algn="l"/>
+                <a14:m>
+                  <m:oMathPara xmlns:m="http://schemas.openxmlformats.org/officeDocument/2006/math">
+                    <m:oMathParaPr>
+                      <m:jc m:val="centerGroup"/>
+                    </m:oMathParaPr>
+                    <m:oMath xmlns:m="http://schemas.openxmlformats.org/officeDocument/2006/math">
+                      <m:r>
+                        <a:rPr lang="ko-KR" altLang="en-US" sz="2800" i="1" smtClean="0">
+                          <a:latin typeface="Cambria Math" panose="02040503050406030204" pitchFamily="18" charset="0"/>
+                        </a:rPr>
+                        <m:t>𝜃</m:t>
+                      </m:r>
+                    </m:oMath>
+                  </m:oMathPara>
+                </a14:m>
+                <a:endParaRPr lang="ko-KR" altLang="en-US" sz="2800" dirty="0">
+                  <a:latin typeface="Consolas" panose="020B0609020204030204" pitchFamily="49" charset="0"/>
+                </a:endParaRPr>
+              </a:p>
+            </p:txBody>
+          </p:sp>
+        </mc:Choice>
+        <mc:Fallback>
+          <p:sp>
+            <p:nvSpPr>
+              <p:cNvPr id="12" name="TextBox 11">
+                <a:extLst>
+                  <a:ext uri="{FF2B5EF4-FFF2-40B4-BE49-F238E27FC236}">
+                    <a16:creationId xmlns:a16="http://schemas.microsoft.com/office/drawing/2014/main" id="{767E4E73-F028-4E53-9A5C-4DEB1BE712F3}"/>
+                  </a:ext>
+                </a:extLst>
+              </p:cNvPr>
+              <p:cNvSpPr txBox="1">
+                <a:spLocks noRot="1" noChangeAspect="1" noMove="1" noResize="1" noEditPoints="1" noAdjustHandles="1" noChangeArrowheads="1" noChangeShapeType="1" noTextEdit="1"/>
+              </p:cNvSpPr>
+              <p:nvPr/>
+            </p:nvSpPr>
+            <p:spPr>
+              <a:xfrm>
+                <a:off x="7745994" y="874320"/>
+                <a:ext cx="409664" cy="430887"/>
+              </a:xfrm>
+              <a:prstGeom prst="rect">
+                <a:avLst/>
+              </a:prstGeom>
+              <a:blipFill>
+                <a:blip r:embed="rId2"/>
+                <a:stretch>
+                  <a:fillRect/>
+                </a:stretch>
+              </a:blipFill>
+            </p:spPr>
+            <p:txBody>
+              <a:bodyPr/>
+              <a:lstStyle/>
+              <a:p>
+                <a:r>
+                  <a:rPr lang="ko-KR" altLang="en-US">
+                    <a:noFill/>
+                  </a:rPr>
+                  <a:t> </a:t>
+                </a:r>
+              </a:p>
+            </p:txBody>
+          </p:sp>
+        </mc:Fallback>
+      </mc:AlternateContent>
+      <p:sp>
+        <p:nvSpPr>
+          <p:cNvPr id="14" name="TextBox 13">
+            <a:extLst>
+              <a:ext uri="{FF2B5EF4-FFF2-40B4-BE49-F238E27FC236}">
+                <a16:creationId xmlns:a16="http://schemas.microsoft.com/office/drawing/2014/main" id="{60F87439-3497-45A5-A9BA-453C840AD685}"/>
+              </a:ext>
+            </a:extLst>
+          </p:cNvPr>
+          <p:cNvSpPr txBox="1"/>
+          <p:nvPr/>
+        </p:nvSpPr>
+        <p:spPr>
+          <a:xfrm>
+            <a:off x="8033396" y="1019072"/>
+            <a:ext cx="381836" cy="523220"/>
+          </a:xfrm>
+          <a:prstGeom prst="rect">
+            <a:avLst/>
+          </a:prstGeom>
+          <a:noFill/>
+        </p:spPr>
+        <p:txBody>
+          <a:bodyPr wrap="none" rtlCol="0">
+            <a:spAutoFit/>
+          </a:bodyPr>
+          <a:lstStyle/>
+          <a:p>
+            <a:pPr algn="l"/>
+            <a:r>
+              <a:rPr lang="en-US" altLang="ko-KR" sz="2800">
+                <a:latin typeface="Consolas" panose="020B0609020204030204" pitchFamily="49" charset="0"/>
+              </a:rPr>
+              <a:t>r</a:t>
+            </a:r>
+            <a:endParaRPr lang="ko-KR" altLang="en-US" sz="2800" dirty="0">
+              <a:latin typeface="Consolas" panose="020B0609020204030204" pitchFamily="49" charset="0"/>
+            </a:endParaRPr>
+          </a:p>
+        </p:txBody>
+      </p:sp>
+      <p:sp>
+        <p:nvSpPr>
+          <p:cNvPr id="15" name="TextBox 14">
+            <a:extLst>
+              <a:ext uri="{FF2B5EF4-FFF2-40B4-BE49-F238E27FC236}">
+                <a16:creationId xmlns:a16="http://schemas.microsoft.com/office/drawing/2014/main" id="{C185F357-D369-4722-B197-1CB939339F17}"/>
+              </a:ext>
+            </a:extLst>
+          </p:cNvPr>
+          <p:cNvSpPr txBox="1"/>
+          <p:nvPr/>
+        </p:nvSpPr>
+        <p:spPr>
+          <a:xfrm>
+            <a:off x="8181652" y="151633"/>
+            <a:ext cx="381836" cy="523220"/>
+          </a:xfrm>
+          <a:prstGeom prst="rect">
+            <a:avLst/>
+          </a:prstGeom>
+          <a:noFill/>
+        </p:spPr>
+        <p:txBody>
+          <a:bodyPr wrap="none" rtlCol="0">
+            <a:spAutoFit/>
+          </a:bodyPr>
+          <a:lstStyle/>
+          <a:p>
+            <a:pPr algn="l"/>
+            <a:r>
+              <a:rPr lang="en-US" altLang="ko-KR" sz="2800">
+                <a:latin typeface="Consolas" panose="020B0609020204030204" pitchFamily="49" charset="0"/>
+              </a:rPr>
+              <a:t>r</a:t>
+            </a:r>
+            <a:endParaRPr lang="ko-KR" altLang="en-US" sz="2800" dirty="0">
+              <a:latin typeface="Consolas" panose="020B0609020204030204" pitchFamily="49" charset="0"/>
+            </a:endParaRPr>
+          </a:p>
+        </p:txBody>
+      </p:sp>
+      <mc:AlternateContent xmlns:mc="http://schemas.openxmlformats.org/markup-compatibility/2006">
+        <mc:Choice xmlns:a14="http://schemas.microsoft.com/office/drawing/2010/main" Requires="a14">
+          <p:sp>
+            <p:nvSpPr>
+              <p:cNvPr id="16" name="TextBox 15">
+                <a:extLst>
+                  <a:ext uri="{FF2B5EF4-FFF2-40B4-BE49-F238E27FC236}">
+                    <a16:creationId xmlns:a16="http://schemas.microsoft.com/office/drawing/2014/main" id="{168B497A-933D-4C3A-82B1-E9E8EAA0AEA8}"/>
+                  </a:ext>
+                </a:extLst>
+              </p:cNvPr>
+              <p:cNvSpPr txBox="1"/>
+              <p:nvPr/>
+            </p:nvSpPr>
+            <p:spPr>
+              <a:xfrm>
+                <a:off x="6135186" y="2749977"/>
+                <a:ext cx="2437590" cy="724494"/>
+              </a:xfrm>
+              <a:prstGeom prst="rect">
+                <a:avLst/>
+              </a:prstGeom>
+              <a:noFill/>
+            </p:spPr>
+            <p:txBody>
+              <a:bodyPr wrap="none" rtlCol="0">
+                <a:spAutoFit/>
+              </a:bodyPr>
+              <a:lstStyle/>
+              <a:p>
+                <a:pPr algn="l"/>
+                <a14:m>
+                  <m:oMath xmlns:m="http://schemas.openxmlformats.org/officeDocument/2006/math">
+                    <m:r>
+                      <a:rPr lang="en-US" altLang="ko-KR" sz="2800" b="0" i="1" smtClean="0">
+                        <a:latin typeface="Cambria Math" panose="02040503050406030204" pitchFamily="18" charset="0"/>
+                      </a:rPr>
+                      <m:t>2</m:t>
+                    </m:r>
+                    <m:r>
+                      <a:rPr lang="ko-KR" altLang="en-US" sz="2800" i="1" smtClean="0">
+                        <a:latin typeface="Cambria Math" panose="02040503050406030204" pitchFamily="18" charset="0"/>
+                      </a:rPr>
+                      <m:t>𝜋</m:t>
+                    </m:r>
+                    <m:r>
+                      <a:rPr lang="en-US" altLang="ko-KR" sz="2800" b="0" i="1" smtClean="0">
+                        <a:latin typeface="Cambria Math" panose="02040503050406030204" pitchFamily="18" charset="0"/>
+                      </a:rPr>
+                      <m:t>𝑟</m:t>
+                    </m:r>
+                    <m:r>
+                      <a:rPr lang="en-US" altLang="ko-KR" sz="2800" b="0" i="1" smtClean="0">
+                        <a:latin typeface="Cambria Math" panose="02040503050406030204" pitchFamily="18" charset="0"/>
+                        <a:ea typeface="Cambria Math" panose="02040503050406030204" pitchFamily="18" charset="0"/>
+                      </a:rPr>
+                      <m:t>×</m:t>
+                    </m:r>
+                    <m:f>
+                      <m:fPr>
+                        <m:ctrlPr>
+                          <a:rPr lang="en-US" altLang="ko-KR" sz="2800" b="0" i="1" smtClean="0">
+                            <a:latin typeface="Cambria Math" panose="02040503050406030204" pitchFamily="18" charset="0"/>
+                            <a:ea typeface="Cambria Math" panose="02040503050406030204" pitchFamily="18" charset="0"/>
+                          </a:rPr>
+                        </m:ctrlPr>
+                      </m:fPr>
+                      <m:num>
+                        <m:r>
+                          <a:rPr lang="ko-KR" altLang="en-US" sz="2800" b="0" i="1" smtClean="0">
+                            <a:latin typeface="Cambria Math" panose="02040503050406030204" pitchFamily="18" charset="0"/>
+                            <a:ea typeface="Cambria Math" panose="02040503050406030204" pitchFamily="18" charset="0"/>
+                          </a:rPr>
+                          <m:t>𝜃</m:t>
+                        </m:r>
+                      </m:num>
+                      <m:den>
+                        <m:r>
+                          <a:rPr lang="en-US" altLang="ko-KR" sz="2800" b="0" i="1" smtClean="0">
+                            <a:latin typeface="Cambria Math" panose="02040503050406030204" pitchFamily="18" charset="0"/>
+                            <a:ea typeface="Cambria Math" panose="02040503050406030204" pitchFamily="18" charset="0"/>
+                          </a:rPr>
+                          <m:t>360</m:t>
+                        </m:r>
+                      </m:den>
+                    </m:f>
+                  </m:oMath>
+                </a14:m>
+                <a:r>
+                  <a:rPr lang="ko-KR" altLang="en-US" sz="2800" dirty="0">
+                    <a:latin typeface="Consolas" panose="020B0609020204030204" pitchFamily="49" charset="0"/>
+                  </a:rPr>
+                  <a:t> </a:t>
+                </a:r>
+                <a:r>
+                  <a:rPr lang="en-US" altLang="ko-KR" sz="2800">
+                    <a:latin typeface="Consolas" panose="020B0609020204030204" pitchFamily="49" charset="0"/>
+                  </a:rPr>
+                  <a:t>= r</a:t>
+                </a:r>
+                <a:endParaRPr lang="ko-KR" altLang="en-US" sz="2800" dirty="0">
+                  <a:latin typeface="Consolas" panose="020B0609020204030204" pitchFamily="49" charset="0"/>
+                </a:endParaRPr>
+              </a:p>
+            </p:txBody>
+          </p:sp>
+        </mc:Choice>
+        <mc:Fallback>
+          <p:sp>
+            <p:nvSpPr>
+              <p:cNvPr id="16" name="TextBox 15">
+                <a:extLst>
+                  <a:ext uri="{FF2B5EF4-FFF2-40B4-BE49-F238E27FC236}">
+                    <a16:creationId xmlns:a16="http://schemas.microsoft.com/office/drawing/2014/main" id="{168B497A-933D-4C3A-82B1-E9E8EAA0AEA8}"/>
+                  </a:ext>
+                </a:extLst>
+              </p:cNvPr>
+              <p:cNvSpPr txBox="1">
+                <a:spLocks noRot="1" noChangeAspect="1" noMove="1" noResize="1" noEditPoints="1" noAdjustHandles="1" noChangeArrowheads="1" noChangeShapeType="1" noTextEdit="1"/>
+              </p:cNvSpPr>
+              <p:nvPr/>
+            </p:nvSpPr>
+            <p:spPr>
+              <a:xfrm>
+                <a:off x="6135186" y="2749977"/>
+                <a:ext cx="2437590" cy="724494"/>
+              </a:xfrm>
+              <a:prstGeom prst="rect">
+                <a:avLst/>
+              </a:prstGeom>
+              <a:blipFill>
+                <a:blip r:embed="rId3"/>
+                <a:stretch>
+                  <a:fillRect r="-4250" b="-10084"/>
+                </a:stretch>
+              </a:blipFill>
+            </p:spPr>
+            <p:txBody>
+              <a:bodyPr/>
+              <a:lstStyle/>
+              <a:p>
+                <a:r>
+                  <a:rPr lang="ko-KR" altLang="en-US">
+                    <a:noFill/>
+                  </a:rPr>
+                  <a:t> </a:t>
+                </a:r>
+              </a:p>
+            </p:txBody>
+          </p:sp>
+        </mc:Fallback>
+      </mc:AlternateContent>
+      <mc:AlternateContent xmlns:mc="http://schemas.openxmlformats.org/markup-compatibility/2006">
+        <mc:Choice xmlns:a14="http://schemas.microsoft.com/office/drawing/2010/main" Requires="a14">
+          <p:sp>
+            <p:nvSpPr>
+              <p:cNvPr id="17" name="TextBox 16">
+                <a:extLst>
+                  <a:ext uri="{FF2B5EF4-FFF2-40B4-BE49-F238E27FC236}">
+                    <a16:creationId xmlns:a16="http://schemas.microsoft.com/office/drawing/2014/main" id="{2C0FBC2C-AB72-41D7-B8C9-ADC4CF51410C}"/>
+                  </a:ext>
+                </a:extLst>
+              </p:cNvPr>
+              <p:cNvSpPr txBox="1"/>
+              <p:nvPr/>
+            </p:nvSpPr>
+            <p:spPr>
+              <a:xfrm>
+                <a:off x="6220495" y="3814717"/>
+                <a:ext cx="2006255" cy="523220"/>
+              </a:xfrm>
+              <a:prstGeom prst="rect">
+                <a:avLst/>
+              </a:prstGeom>
+              <a:noFill/>
+            </p:spPr>
+            <p:txBody>
+              <a:bodyPr wrap="none" rtlCol="0">
+                <a:spAutoFit/>
+              </a:bodyPr>
+              <a:lstStyle/>
+              <a:p>
+                <a14:m>
+                  <m:oMath xmlns:m="http://schemas.openxmlformats.org/officeDocument/2006/math">
+                    <m:r>
+                      <a:rPr lang="ko-KR" altLang="en-US" sz="2800" i="1">
+                        <a:latin typeface="Cambria Math" panose="02040503050406030204" pitchFamily="18" charset="0"/>
+                        <a:ea typeface="Cambria Math" panose="02040503050406030204" pitchFamily="18" charset="0"/>
+                      </a:rPr>
+                      <m:t>𝜃</m:t>
+                    </m:r>
+                    <m:r>
+                      <a:rPr lang="ko-KR" altLang="en-US" sz="2800" i="1">
+                        <a:latin typeface="Cambria Math" panose="02040503050406030204" pitchFamily="18" charset="0"/>
+                        <a:ea typeface="Cambria Math" panose="02040503050406030204" pitchFamily="18" charset="0"/>
+                      </a:rPr>
+                      <m:t> </m:t>
+                    </m:r>
+                  </m:oMath>
+                </a14:m>
+                <a:r>
+                  <a:rPr lang="en-US" altLang="ko-KR" sz="2800">
+                    <a:latin typeface="Consolas" panose="020B0609020204030204" pitchFamily="49" charset="0"/>
+                  </a:rPr>
+                  <a:t>= 180/</a:t>
+                </a:r>
+                <a:r>
+                  <a:rPr lang="ko-KR" altLang="en-US" sz="2800"/>
+                  <a:t> </a:t>
+                </a:r>
+                <a14:m>
+                  <m:oMath xmlns:m="http://schemas.openxmlformats.org/officeDocument/2006/math">
+                    <m:r>
+                      <a:rPr lang="ko-KR" altLang="en-US" sz="2800" i="1">
+                        <a:latin typeface="Cambria Math" panose="02040503050406030204" pitchFamily="18" charset="0"/>
+                      </a:rPr>
+                      <m:t>𝜋</m:t>
+                    </m:r>
+                  </m:oMath>
+                </a14:m>
+                <a:endParaRPr lang="ko-KR" altLang="en-US" sz="2800" dirty="0">
+                  <a:latin typeface="Consolas" panose="020B0609020204030204" pitchFamily="49" charset="0"/>
+                </a:endParaRPr>
+              </a:p>
+            </p:txBody>
+          </p:sp>
+        </mc:Choice>
+        <mc:Fallback>
+          <p:sp>
+            <p:nvSpPr>
+              <p:cNvPr id="17" name="TextBox 16">
+                <a:extLst>
+                  <a:ext uri="{FF2B5EF4-FFF2-40B4-BE49-F238E27FC236}">
+                    <a16:creationId xmlns:a16="http://schemas.microsoft.com/office/drawing/2014/main" id="{2C0FBC2C-AB72-41D7-B8C9-ADC4CF51410C}"/>
+                  </a:ext>
+                </a:extLst>
+              </p:cNvPr>
+              <p:cNvSpPr txBox="1">
+                <a:spLocks noRot="1" noChangeAspect="1" noMove="1" noResize="1" noEditPoints="1" noAdjustHandles="1" noChangeArrowheads="1" noChangeShapeType="1" noTextEdit="1"/>
+              </p:cNvSpPr>
+              <p:nvPr/>
+            </p:nvSpPr>
+            <p:spPr>
+              <a:xfrm>
+                <a:off x="6220495" y="3814717"/>
+                <a:ext cx="2006255" cy="523220"/>
+              </a:xfrm>
+              <a:prstGeom prst="rect">
+                <a:avLst/>
+              </a:prstGeom>
+              <a:blipFill>
+                <a:blip r:embed="rId4"/>
+                <a:stretch>
+                  <a:fillRect t="-12791" b="-31395"/>
+                </a:stretch>
+              </a:blipFill>
+            </p:spPr>
+            <p:txBody>
+              <a:bodyPr/>
+              <a:lstStyle/>
+              <a:p>
+                <a:r>
+                  <a:rPr lang="ko-KR" altLang="en-US">
+                    <a:noFill/>
+                  </a:rPr>
+                  <a:t> </a:t>
+                </a:r>
+              </a:p>
+            </p:txBody>
+          </p:sp>
+        </mc:Fallback>
+      </mc:AlternateContent>
+      <p:sp>
+        <p:nvSpPr>
+          <p:cNvPr id="23" name="TextBox 22">
+            <a:extLst>
+              <a:ext uri="{FF2B5EF4-FFF2-40B4-BE49-F238E27FC236}">
+                <a16:creationId xmlns:a16="http://schemas.microsoft.com/office/drawing/2014/main" id="{293DB64B-ADEE-4547-AEDB-5DBF0AFB762D}"/>
+              </a:ext>
+            </a:extLst>
+          </p:cNvPr>
+          <p:cNvSpPr txBox="1"/>
+          <p:nvPr/>
+        </p:nvSpPr>
+        <p:spPr>
+          <a:xfrm>
+            <a:off x="9143246" y="644283"/>
+            <a:ext cx="6097508" cy="369332"/>
+          </a:xfrm>
+          <a:prstGeom prst="rect">
+            <a:avLst/>
+          </a:prstGeom>
+          <a:noFill/>
+        </p:spPr>
+        <p:txBody>
+          <a:bodyPr wrap="square">
+            <a:spAutoFit/>
+          </a:bodyPr>
+          <a:lstStyle/>
+          <a:p>
+            <a:r>
+              <a:rPr lang="ko-KR" altLang="en-US"/>
+              <a:t>𝜃 </a:t>
+            </a:r>
+            <a:r>
+              <a:rPr lang="en-US" altLang="ko-KR"/>
+              <a:t>= </a:t>
+            </a:r>
+            <a:r>
+              <a:rPr lang="ko-KR" altLang="en-US"/>
+              <a:t>57.295779513082320876798154814105</a:t>
+            </a:r>
+          </a:p>
+        </p:txBody>
+      </p:sp>
+      <mc:AlternateContent xmlns:mc="http://schemas.openxmlformats.org/markup-compatibility/2006">
+        <mc:Choice xmlns:a14="http://schemas.microsoft.com/office/drawing/2010/main" Requires="a14">
+          <p:sp>
+            <p:nvSpPr>
+              <p:cNvPr id="24" name="TextBox 23">
+                <a:extLst>
+                  <a:ext uri="{FF2B5EF4-FFF2-40B4-BE49-F238E27FC236}">
+                    <a16:creationId xmlns:a16="http://schemas.microsoft.com/office/drawing/2014/main" id="{E83CA704-0D43-470C-AA41-EB55AEAD80A8}"/>
+                  </a:ext>
+                </a:extLst>
+              </p:cNvPr>
+              <p:cNvSpPr txBox="1"/>
+              <p:nvPr/>
+            </p:nvSpPr>
+            <p:spPr>
+              <a:xfrm>
+                <a:off x="8924182" y="2409731"/>
+                <a:ext cx="3267818" cy="2550827"/>
+              </a:xfrm>
+              <a:prstGeom prst="rect">
+                <a:avLst/>
+              </a:prstGeom>
+              <a:noFill/>
+            </p:spPr>
+            <p:txBody>
+              <a:bodyPr wrap="none" rtlCol="0">
+                <a:spAutoFit/>
+              </a:bodyPr>
+              <a:lstStyle/>
+              <a:p>
+                <a14:m>
+                  <m:oMath xmlns:m="http://schemas.openxmlformats.org/officeDocument/2006/math">
+                    <m:r>
+                      <a:rPr lang="en-US" altLang="ko-KR" sz="2800" b="0" i="1" smtClean="0">
+                        <a:latin typeface="Cambria Math" panose="02040503050406030204" pitchFamily="18" charset="0"/>
+                        <a:ea typeface="Cambria Math" panose="02040503050406030204" pitchFamily="18" charset="0"/>
+                      </a:rPr>
+                      <m:t>1 : </m:t>
+                    </m:r>
+                  </m:oMath>
+                </a14:m>
+                <a:r>
+                  <a:rPr lang="en-US" altLang="ko-KR" sz="2800">
+                    <a:latin typeface="Consolas" panose="020B0609020204030204" pitchFamily="49" charset="0"/>
+                  </a:rPr>
+                  <a:t>180/</a:t>
+                </a:r>
+                <a:r>
+                  <a:rPr lang="ko-KR" altLang="en-US" sz="2800"/>
+                  <a:t> </a:t>
+                </a:r>
+                <a14:m>
+                  <m:oMath xmlns:m="http://schemas.openxmlformats.org/officeDocument/2006/math">
+                    <m:r>
+                      <a:rPr lang="ko-KR" altLang="en-US" sz="2800" i="1">
+                        <a:latin typeface="Cambria Math" panose="02040503050406030204" pitchFamily="18" charset="0"/>
+                      </a:rPr>
+                      <m:t>𝜋</m:t>
+                    </m:r>
+                  </m:oMath>
+                </a14:m>
+                <a:r>
+                  <a:rPr lang="ko-KR" altLang="en-US" sz="2800" dirty="0">
+                    <a:latin typeface="Consolas" panose="020B0609020204030204" pitchFamily="49" charset="0"/>
+                  </a:rPr>
+                  <a:t> </a:t>
+                </a:r>
+                <a:r>
+                  <a:rPr lang="en-US" altLang="ko-KR" sz="2800">
+                    <a:latin typeface="Consolas" panose="020B0609020204030204" pitchFamily="49" charset="0"/>
+                  </a:rPr>
+                  <a:t>= x:90</a:t>
+                </a:r>
+              </a:p>
+              <a:p>
+                <a:endParaRPr lang="en-US" altLang="ko-KR" sz="2800">
+                  <a:latin typeface="Consolas" panose="020B0609020204030204" pitchFamily="49" charset="0"/>
+                </a:endParaRPr>
+              </a:p>
+              <a:p>
+                <a:r>
+                  <a:rPr lang="en-US" altLang="ko-KR" sz="2800">
+                    <a:latin typeface="Consolas" panose="020B0609020204030204" pitchFamily="49" charset="0"/>
+                  </a:rPr>
+                  <a:t>90 = 180*x/</a:t>
+                </a:r>
+                <a:r>
+                  <a:rPr lang="ko-KR" altLang="en-US" sz="2800"/>
+                  <a:t> </a:t>
+                </a:r>
+                <a14:m>
+                  <m:oMath xmlns:m="http://schemas.openxmlformats.org/officeDocument/2006/math">
+                    <m:r>
+                      <a:rPr lang="ko-KR" altLang="en-US" sz="2800" i="1">
+                        <a:latin typeface="Cambria Math" panose="02040503050406030204" pitchFamily="18" charset="0"/>
+                      </a:rPr>
+                      <m:t>𝜋</m:t>
+                    </m:r>
+                  </m:oMath>
+                </a14:m>
+                <a:endParaRPr lang="en-US" altLang="ko-KR" sz="2800" i="1">
+                  <a:latin typeface="Cambria Math" panose="02040503050406030204" pitchFamily="18" charset="0"/>
+                </a:endParaRPr>
+              </a:p>
+              <a:p>
+                <a14:m>
+                  <m:oMathPara xmlns:m="http://schemas.openxmlformats.org/officeDocument/2006/math">
+                    <m:oMathParaPr>
+                      <m:jc m:val="centerGroup"/>
+                    </m:oMathParaPr>
+                    <m:oMath xmlns:m="http://schemas.openxmlformats.org/officeDocument/2006/math">
+                      <m:f>
+                        <m:fPr>
+                          <m:ctrlPr>
+                            <a:rPr lang="en-US" altLang="ko-KR" sz="2800" b="0" i="1" smtClean="0">
+                              <a:latin typeface="Cambria Math" panose="02040503050406030204" pitchFamily="18" charset="0"/>
+                            </a:rPr>
+                          </m:ctrlPr>
+                        </m:fPr>
+                        <m:num>
+                          <m:r>
+                            <a:rPr lang="ko-KR" altLang="en-US" sz="2800" i="1" smtClean="0">
+                              <a:latin typeface="Cambria Math" panose="02040503050406030204" pitchFamily="18" charset="0"/>
+                            </a:rPr>
+                            <m:t>𝜋</m:t>
+                          </m:r>
+                        </m:num>
+                        <m:den>
+                          <m:r>
+                            <a:rPr lang="en-US" altLang="ko-KR" sz="2800" b="0" i="1" smtClean="0">
+                              <a:latin typeface="Cambria Math" panose="02040503050406030204" pitchFamily="18" charset="0"/>
+                            </a:rPr>
+                            <m:t>180</m:t>
+                          </m:r>
+                        </m:den>
+                      </m:f>
+                      <m:r>
+                        <a:rPr lang="en-US" altLang="ko-KR" sz="2800" b="0" i="1" smtClean="0">
+                          <a:latin typeface="Cambria Math" panose="02040503050406030204" pitchFamily="18" charset="0"/>
+                        </a:rPr>
+                        <m:t>∗</m:t>
+                      </m:r>
+                      <m:r>
+                        <a:rPr lang="en-US" altLang="ko-KR" sz="2800" b="0" i="1" smtClean="0">
+                          <a:latin typeface="Cambria Math" panose="02040503050406030204" pitchFamily="18" charset="0"/>
+                        </a:rPr>
+                        <m:t>𝑑𝑒𝑔𝑟𝑒𝑒</m:t>
+                      </m:r>
+                      <m:r>
+                        <a:rPr lang="en-US" altLang="ko-KR" sz="2800" b="0" i="1" smtClean="0">
+                          <a:latin typeface="Cambria Math" panose="02040503050406030204" pitchFamily="18" charset="0"/>
+                        </a:rPr>
+                        <m:t>=</m:t>
+                      </m:r>
+                      <m:r>
+                        <a:rPr lang="en-US" altLang="ko-KR" sz="2800" b="0" i="1" smtClean="0">
+                          <a:latin typeface="Cambria Math" panose="02040503050406030204" pitchFamily="18" charset="0"/>
+                        </a:rPr>
+                        <m:t>𝑥</m:t>
+                      </m:r>
+                    </m:oMath>
+                  </m:oMathPara>
+                </a14:m>
+                <a:endParaRPr lang="en-US" altLang="ko-KR" sz="2800" dirty="0">
+                  <a:latin typeface="Consolas" panose="020B0609020204030204" pitchFamily="49" charset="0"/>
+                </a:endParaRPr>
+              </a:p>
+              <a:p>
+                <a:endParaRPr lang="ko-KR" altLang="en-US" sz="2800" dirty="0">
+                  <a:latin typeface="Consolas" panose="020B0609020204030204" pitchFamily="49" charset="0"/>
+                </a:endParaRPr>
+              </a:p>
+            </p:txBody>
+          </p:sp>
+        </mc:Choice>
+        <mc:Fallback>
+          <p:sp>
+            <p:nvSpPr>
+              <p:cNvPr id="24" name="TextBox 23">
+                <a:extLst>
+                  <a:ext uri="{FF2B5EF4-FFF2-40B4-BE49-F238E27FC236}">
+                    <a16:creationId xmlns:a16="http://schemas.microsoft.com/office/drawing/2014/main" id="{E83CA704-0D43-470C-AA41-EB55AEAD80A8}"/>
+                  </a:ext>
+                </a:extLst>
+              </p:cNvPr>
+              <p:cNvSpPr txBox="1">
+                <a:spLocks noRot="1" noChangeAspect="1" noMove="1" noResize="1" noEditPoints="1" noAdjustHandles="1" noChangeArrowheads="1" noChangeShapeType="1" noTextEdit="1"/>
+              </p:cNvSpPr>
+              <p:nvPr/>
+            </p:nvSpPr>
+            <p:spPr>
+              <a:xfrm>
+                <a:off x="8924182" y="2409731"/>
+                <a:ext cx="3267818" cy="2550827"/>
+              </a:xfrm>
+              <a:prstGeom prst="rect">
+                <a:avLst/>
+              </a:prstGeom>
+              <a:blipFill>
+                <a:blip r:embed="rId5"/>
+                <a:stretch>
+                  <a:fillRect l="-3918" t="-2387" r="-373"/>
+                </a:stretch>
+              </a:blipFill>
+            </p:spPr>
+            <p:txBody>
+              <a:bodyPr/>
+              <a:lstStyle/>
+              <a:p>
+                <a:r>
+                  <a:rPr lang="ko-KR" altLang="en-US">
+                    <a:noFill/>
+                  </a:rPr>
+                  <a:t> </a:t>
+                </a:r>
+              </a:p>
+            </p:txBody>
+          </p:sp>
+        </mc:Fallback>
+      </mc:AlternateContent>
     </p:spTree>
     <p:extLst>
       <p:ext uri="{BB962C8B-B14F-4D97-AF65-F5344CB8AC3E}">
         <p14:creationId xmlns:p14="http://schemas.microsoft.com/office/powerpoint/2010/main" val="2911542924"/>
+      </p:ext>
+    </p:extLst>
+  </p:cSld>
+  <p:clrMapOvr>
+    <a:masterClrMapping/>
+  </p:clrMapOvr>
+</p:sld>
+</file>
+
+<file path=ppt/slides/slide2.xml><?xml version="1.0" encoding="utf-8"?>
+<p:sld xmlns:a="http://schemas.openxmlformats.org/drawingml/2006/main" xmlns:r="http://schemas.openxmlformats.org/officeDocument/2006/relationships" xmlns:p="http://schemas.openxmlformats.org/presentationml/2006/main">
+  <p:cSld>
+    <p:spTree>
+      <p:nvGrpSpPr>
+        <p:cNvPr id="1" name=""/>
+        <p:cNvGrpSpPr/>
+        <p:nvPr/>
+      </p:nvGrpSpPr>
+      <p:grpSpPr>
+        <a:xfrm>
+          <a:off x="0" y="0"/>
+          <a:ext cx="0" cy="0"/>
+          <a:chOff x="0" y="0"/>
+          <a:chExt cx="0" cy="0"/>
+        </a:xfrm>
+      </p:grpSpPr>
+      <p:sp>
+        <p:nvSpPr>
+          <p:cNvPr id="5" name="TextBox 4">
+            <a:extLst>
+              <a:ext uri="{FF2B5EF4-FFF2-40B4-BE49-F238E27FC236}">
+                <a16:creationId xmlns:a16="http://schemas.microsoft.com/office/drawing/2014/main" id="{682C6CCF-1D31-4CA3-9C30-2B1E153B6F96}"/>
+              </a:ext>
+            </a:extLst>
+          </p:cNvPr>
+          <p:cNvSpPr txBox="1"/>
+          <p:nvPr/>
+        </p:nvSpPr>
+        <p:spPr>
+          <a:xfrm>
+            <a:off x="226337" y="226337"/>
+            <a:ext cx="5311069" cy="4401205"/>
+          </a:xfrm>
+          <a:prstGeom prst="rect">
+            <a:avLst/>
+          </a:prstGeom>
+          <a:noFill/>
+        </p:spPr>
+        <p:txBody>
+          <a:bodyPr wrap="none" rtlCol="0">
+            <a:spAutoFit/>
+          </a:bodyPr>
+          <a:lstStyle/>
+          <a:p>
+            <a:pPr algn="l"/>
+            <a:r>
+              <a:rPr lang="en-US" altLang="ko-KR" sz="2800">
+                <a:latin typeface="Consolas" panose="020B0609020204030204" pitchFamily="49" charset="0"/>
+              </a:rPr>
+              <a:t>plt.figure(figsize=(10,6))</a:t>
+            </a:r>
+          </a:p>
+          <a:p>
+            <a:pPr algn="l"/>
+            <a:endParaRPr lang="en-US" altLang="ko-KR" sz="2800">
+              <a:latin typeface="Consolas" panose="020B0609020204030204" pitchFamily="49" charset="0"/>
+            </a:endParaRPr>
+          </a:p>
+          <a:p>
+            <a:pPr algn="l"/>
+            <a:r>
+              <a:rPr lang="en-US" altLang="ko-KR" sz="2800">
+                <a:latin typeface="Consolas" panose="020B0609020204030204" pitchFamily="49" charset="0"/>
+              </a:rPr>
+              <a:t>plt.subplot(221)</a:t>
+            </a:r>
+          </a:p>
+          <a:p>
+            <a:pPr algn="l"/>
+            <a:r>
+              <a:rPr lang="en-US" altLang="ko-KR" sz="2800">
+                <a:latin typeface="Consolas" panose="020B0609020204030204" pitchFamily="49" charset="0"/>
+              </a:rPr>
+              <a:t>plt.subplot(222)</a:t>
+            </a:r>
+          </a:p>
+          <a:p>
+            <a:pPr algn="l"/>
+            <a:r>
+              <a:rPr lang="en-US" altLang="ko-KR" sz="2800">
+                <a:latin typeface="Consolas" panose="020B0609020204030204" pitchFamily="49" charset="0"/>
+              </a:rPr>
+              <a:t>plt.subplot(223)</a:t>
+            </a:r>
+          </a:p>
+          <a:p>
+            <a:pPr algn="l"/>
+            <a:r>
+              <a:rPr lang="en-US" altLang="ko-KR" sz="2800">
+                <a:latin typeface="Consolas" panose="020B0609020204030204" pitchFamily="49" charset="0"/>
+              </a:rPr>
+              <a:t>plt.subplot(224)</a:t>
+            </a:r>
+          </a:p>
+          <a:p>
+            <a:pPr algn="l"/>
+            <a:endParaRPr lang="en-US" altLang="ko-KR" sz="2800">
+              <a:latin typeface="Consolas" panose="020B0609020204030204" pitchFamily="49" charset="0"/>
+            </a:endParaRPr>
+          </a:p>
+          <a:p>
+            <a:pPr algn="l"/>
+            <a:r>
+              <a:rPr lang="en-US" altLang="ko-KR" sz="2800">
+                <a:latin typeface="Consolas" panose="020B0609020204030204" pitchFamily="49" charset="0"/>
+              </a:rPr>
+              <a:t>#plt.subplot(212)</a:t>
+            </a:r>
+          </a:p>
+          <a:p>
+            <a:pPr algn="l"/>
+            <a:endParaRPr lang="en-US" altLang="ko-KR" sz="2800">
+              <a:latin typeface="Consolas" panose="020B0609020204030204" pitchFamily="49" charset="0"/>
+            </a:endParaRPr>
+          </a:p>
+          <a:p>
+            <a:pPr algn="l"/>
+            <a:r>
+              <a:rPr lang="en-US" altLang="ko-KR" sz="2800">
+                <a:latin typeface="Consolas" panose="020B0609020204030204" pitchFamily="49" charset="0"/>
+              </a:rPr>
+              <a:t>plt.show()</a:t>
+            </a:r>
+            <a:endParaRPr lang="ko-KR" altLang="en-US" sz="2800" dirty="0">
+              <a:latin typeface="Consolas" panose="020B0609020204030204" pitchFamily="49" charset="0"/>
+            </a:endParaRPr>
+          </a:p>
+        </p:txBody>
+      </p:sp>
+      <p:sp>
+        <p:nvSpPr>
+          <p:cNvPr id="6" name="직사각형 5">
+            <a:extLst>
+              <a:ext uri="{FF2B5EF4-FFF2-40B4-BE49-F238E27FC236}">
+                <a16:creationId xmlns:a16="http://schemas.microsoft.com/office/drawing/2014/main" id="{0084F097-C478-463F-88F6-5BCBEB9986D5}"/>
+              </a:ext>
+            </a:extLst>
+          </p:cNvPr>
+          <p:cNvSpPr/>
+          <p:nvPr/>
+        </p:nvSpPr>
+        <p:spPr>
+          <a:xfrm>
+            <a:off x="5797533" y="425512"/>
+            <a:ext cx="5311069" cy="3983526"/>
+          </a:xfrm>
+          <a:prstGeom prst="rect">
+            <a:avLst/>
+          </a:prstGeom>
+          <a:noFill/>
+        </p:spPr>
+        <p:style>
+          <a:lnRef idx="2">
+            <a:schemeClr val="accent1">
+              <a:shade val="50000"/>
+            </a:schemeClr>
+          </a:lnRef>
+          <a:fillRef idx="1">
+            <a:schemeClr val="accent1"/>
+          </a:fillRef>
+          <a:effectRef idx="0">
+            <a:schemeClr val="accent1"/>
+          </a:effectRef>
+          <a:fontRef idx="minor">
+            <a:schemeClr val="lt1"/>
+          </a:fontRef>
+        </p:style>
+        <p:txBody>
+          <a:bodyPr rot="0" spcFirstLastPara="0" vertOverflow="overflow" horzOverflow="overflow" vert="horz" wrap="square" lIns="91440" tIns="45720" rIns="91440" bIns="45720" numCol="1" spcCol="0" rtlCol="0" fromWordArt="0" anchor="ctr" anchorCtr="0" forceAA="0" compatLnSpc="1">
+            <a:prstTxWarp prst="textNoShape">
+              <a:avLst/>
+            </a:prstTxWarp>
+            <a:noAutofit/>
+          </a:bodyPr>
+          <a:lstStyle/>
+          <a:p>
+            <a:pPr algn="ctr"/>
+            <a:endParaRPr lang="ko-KR" altLang="en-US" sz="2000" dirty="0">
+              <a:solidFill>
+                <a:schemeClr val="tx1"/>
+              </a:solidFill>
+            </a:endParaRPr>
+          </a:p>
+        </p:txBody>
+      </p:sp>
+      <p:sp>
+        <p:nvSpPr>
+          <p:cNvPr id="7" name="직사각형 6">
+            <a:extLst>
+              <a:ext uri="{FF2B5EF4-FFF2-40B4-BE49-F238E27FC236}">
+                <a16:creationId xmlns:a16="http://schemas.microsoft.com/office/drawing/2014/main" id="{18A641FA-E4BE-4D37-9319-6B5E6B4DAC9C}"/>
+              </a:ext>
+            </a:extLst>
+          </p:cNvPr>
+          <p:cNvSpPr/>
+          <p:nvPr/>
+        </p:nvSpPr>
+        <p:spPr>
+          <a:xfrm>
+            <a:off x="5797532" y="425512"/>
+            <a:ext cx="2658405" cy="1991762"/>
+          </a:xfrm>
+          <a:prstGeom prst="rect">
+            <a:avLst/>
+          </a:prstGeom>
+          <a:solidFill>
+            <a:schemeClr val="bg1"/>
+          </a:solidFill>
+        </p:spPr>
+        <p:style>
+          <a:lnRef idx="2">
+            <a:schemeClr val="accent1">
+              <a:shade val="50000"/>
+            </a:schemeClr>
+          </a:lnRef>
+          <a:fillRef idx="1">
+            <a:schemeClr val="accent1"/>
+          </a:fillRef>
+          <a:effectRef idx="0">
+            <a:schemeClr val="accent1"/>
+          </a:effectRef>
+          <a:fontRef idx="minor">
+            <a:schemeClr val="lt1"/>
+          </a:fontRef>
+        </p:style>
+        <p:txBody>
+          <a:bodyPr rot="0" spcFirstLastPara="0" vertOverflow="overflow" horzOverflow="overflow" vert="horz" wrap="square" lIns="91440" tIns="45720" rIns="91440" bIns="45720" numCol="1" spcCol="0" rtlCol="0" fromWordArt="0" anchor="ctr" anchorCtr="0" forceAA="0" compatLnSpc="1">
+            <a:prstTxWarp prst="textNoShape">
+              <a:avLst/>
+            </a:prstTxWarp>
+            <a:noAutofit/>
+          </a:bodyPr>
+          <a:lstStyle/>
+          <a:p>
+            <a:pPr algn="ctr"/>
+            <a:r>
+              <a:rPr lang="en-US" altLang="ko-KR" sz="2000">
+                <a:solidFill>
+                  <a:schemeClr val="tx1"/>
+                </a:solidFill>
+              </a:rPr>
+              <a:t>1</a:t>
+            </a:r>
+            <a:endParaRPr lang="ko-KR" altLang="en-US" sz="2000" dirty="0">
+              <a:solidFill>
+                <a:schemeClr val="tx1"/>
+              </a:solidFill>
+            </a:endParaRPr>
+          </a:p>
+        </p:txBody>
+      </p:sp>
+      <p:sp>
+        <p:nvSpPr>
+          <p:cNvPr id="8" name="직사각형 7">
+            <a:extLst>
+              <a:ext uri="{FF2B5EF4-FFF2-40B4-BE49-F238E27FC236}">
+                <a16:creationId xmlns:a16="http://schemas.microsoft.com/office/drawing/2014/main" id="{374771C9-788B-4E0E-B988-45623F60B6AD}"/>
+              </a:ext>
+            </a:extLst>
+          </p:cNvPr>
+          <p:cNvSpPr/>
+          <p:nvPr/>
+        </p:nvSpPr>
+        <p:spPr>
+          <a:xfrm>
+            <a:off x="5797533" y="2417275"/>
+            <a:ext cx="2655534" cy="1991763"/>
+          </a:xfrm>
+          <a:prstGeom prst="rect">
+            <a:avLst/>
+          </a:prstGeom>
+          <a:solidFill>
+            <a:schemeClr val="bg1"/>
+          </a:solidFill>
+        </p:spPr>
+        <p:style>
+          <a:lnRef idx="2">
+            <a:schemeClr val="accent1">
+              <a:shade val="50000"/>
+            </a:schemeClr>
+          </a:lnRef>
+          <a:fillRef idx="1">
+            <a:schemeClr val="accent1"/>
+          </a:fillRef>
+          <a:effectRef idx="0">
+            <a:schemeClr val="accent1"/>
+          </a:effectRef>
+          <a:fontRef idx="minor">
+            <a:schemeClr val="lt1"/>
+          </a:fontRef>
+        </p:style>
+        <p:txBody>
+          <a:bodyPr rot="0" spcFirstLastPara="0" vertOverflow="overflow" horzOverflow="overflow" vert="horz" wrap="square" lIns="91440" tIns="45720" rIns="91440" bIns="45720" numCol="1" spcCol="0" rtlCol="0" fromWordArt="0" anchor="ctr" anchorCtr="0" forceAA="0" compatLnSpc="1">
+            <a:prstTxWarp prst="textNoShape">
+              <a:avLst/>
+            </a:prstTxWarp>
+            <a:noAutofit/>
+          </a:bodyPr>
+          <a:lstStyle/>
+          <a:p>
+            <a:pPr algn="ctr"/>
+            <a:r>
+              <a:rPr lang="en-US" altLang="ko-KR" sz="2000">
+                <a:solidFill>
+                  <a:schemeClr val="tx1"/>
+                </a:solidFill>
+              </a:rPr>
+              <a:t>3</a:t>
+            </a:r>
+            <a:endParaRPr lang="ko-KR" altLang="en-US" sz="2000" dirty="0">
+              <a:solidFill>
+                <a:schemeClr val="tx1"/>
+              </a:solidFill>
+            </a:endParaRPr>
+          </a:p>
+        </p:txBody>
+      </p:sp>
+      <p:sp>
+        <p:nvSpPr>
+          <p:cNvPr id="9" name="직사각형 8">
+            <a:extLst>
+              <a:ext uri="{FF2B5EF4-FFF2-40B4-BE49-F238E27FC236}">
+                <a16:creationId xmlns:a16="http://schemas.microsoft.com/office/drawing/2014/main" id="{D0ECE436-6C77-43F7-888C-AA2972BD0591}"/>
+              </a:ext>
+            </a:extLst>
+          </p:cNvPr>
+          <p:cNvSpPr/>
+          <p:nvPr/>
+        </p:nvSpPr>
+        <p:spPr>
+          <a:xfrm>
+            <a:off x="8453066" y="425512"/>
+            <a:ext cx="2658405" cy="1991762"/>
+          </a:xfrm>
+          <a:prstGeom prst="rect">
+            <a:avLst/>
+          </a:prstGeom>
+          <a:solidFill>
+            <a:schemeClr val="bg1"/>
+          </a:solidFill>
+        </p:spPr>
+        <p:style>
+          <a:lnRef idx="2">
+            <a:schemeClr val="accent1">
+              <a:shade val="50000"/>
+            </a:schemeClr>
+          </a:lnRef>
+          <a:fillRef idx="1">
+            <a:schemeClr val="accent1"/>
+          </a:fillRef>
+          <a:effectRef idx="0">
+            <a:schemeClr val="accent1"/>
+          </a:effectRef>
+          <a:fontRef idx="minor">
+            <a:schemeClr val="lt1"/>
+          </a:fontRef>
+        </p:style>
+        <p:txBody>
+          <a:bodyPr rot="0" spcFirstLastPara="0" vertOverflow="overflow" horzOverflow="overflow" vert="horz" wrap="square" lIns="91440" tIns="45720" rIns="91440" bIns="45720" numCol="1" spcCol="0" rtlCol="0" fromWordArt="0" anchor="ctr" anchorCtr="0" forceAA="0" compatLnSpc="1">
+            <a:prstTxWarp prst="textNoShape">
+              <a:avLst/>
+            </a:prstTxWarp>
+            <a:noAutofit/>
+          </a:bodyPr>
+          <a:lstStyle/>
+          <a:p>
+            <a:pPr algn="ctr"/>
+            <a:r>
+              <a:rPr lang="en-US" altLang="ko-KR" sz="2000">
+                <a:solidFill>
+                  <a:schemeClr val="tx1"/>
+                </a:solidFill>
+              </a:rPr>
+              <a:t>2</a:t>
+            </a:r>
+            <a:endParaRPr lang="ko-KR" altLang="en-US" sz="2000" dirty="0">
+              <a:solidFill>
+                <a:schemeClr val="tx1"/>
+              </a:solidFill>
+            </a:endParaRPr>
+          </a:p>
+        </p:txBody>
+      </p:sp>
+      <p:sp>
+        <p:nvSpPr>
+          <p:cNvPr id="10" name="직사각형 9">
+            <a:extLst>
+              <a:ext uri="{FF2B5EF4-FFF2-40B4-BE49-F238E27FC236}">
+                <a16:creationId xmlns:a16="http://schemas.microsoft.com/office/drawing/2014/main" id="{851CA190-D90B-41CE-BF7E-6AF4EFD412DB}"/>
+              </a:ext>
+            </a:extLst>
+          </p:cNvPr>
+          <p:cNvSpPr/>
+          <p:nvPr/>
+        </p:nvSpPr>
+        <p:spPr>
+          <a:xfrm>
+            <a:off x="8453069" y="2417274"/>
+            <a:ext cx="2655534" cy="1991763"/>
+          </a:xfrm>
+          <a:prstGeom prst="rect">
+            <a:avLst/>
+          </a:prstGeom>
+          <a:solidFill>
+            <a:schemeClr val="bg1"/>
+          </a:solidFill>
+        </p:spPr>
+        <p:style>
+          <a:lnRef idx="2">
+            <a:schemeClr val="accent1">
+              <a:shade val="50000"/>
+            </a:schemeClr>
+          </a:lnRef>
+          <a:fillRef idx="1">
+            <a:schemeClr val="accent1"/>
+          </a:fillRef>
+          <a:effectRef idx="0">
+            <a:schemeClr val="accent1"/>
+          </a:effectRef>
+          <a:fontRef idx="minor">
+            <a:schemeClr val="lt1"/>
+          </a:fontRef>
+        </p:style>
+        <p:txBody>
+          <a:bodyPr rot="0" spcFirstLastPara="0" vertOverflow="overflow" horzOverflow="overflow" vert="horz" wrap="square" lIns="91440" tIns="45720" rIns="91440" bIns="45720" numCol="1" spcCol="0" rtlCol="0" fromWordArt="0" anchor="ctr" anchorCtr="0" forceAA="0" compatLnSpc="1">
+            <a:prstTxWarp prst="textNoShape">
+              <a:avLst/>
+            </a:prstTxWarp>
+            <a:noAutofit/>
+          </a:bodyPr>
+          <a:lstStyle/>
+          <a:p>
+            <a:pPr algn="ctr"/>
+            <a:r>
+              <a:rPr lang="en-US" altLang="ko-KR" sz="2000">
+                <a:solidFill>
+                  <a:schemeClr val="tx1"/>
+                </a:solidFill>
+              </a:rPr>
+              <a:t>4</a:t>
+            </a:r>
+            <a:endParaRPr lang="ko-KR" altLang="en-US" sz="2000" dirty="0">
+              <a:solidFill>
+                <a:schemeClr val="tx1"/>
+              </a:solidFill>
+            </a:endParaRPr>
+          </a:p>
+        </p:txBody>
+      </p:sp>
+    </p:spTree>
+    <p:extLst>
+      <p:ext uri="{BB962C8B-B14F-4D97-AF65-F5344CB8AC3E}">
+        <p14:creationId xmlns:p14="http://schemas.microsoft.com/office/powerpoint/2010/main" val="3930779392"/>
+      </p:ext>
+    </p:extLst>
+  </p:cSld>
+  <p:clrMapOvr>
+    <a:masterClrMapping/>
+  </p:clrMapOvr>
+</p:sld>
+</file>
+
+<file path=ppt/slides/slide3.xml><?xml version="1.0" encoding="utf-8"?>
+<p:sld xmlns:a="http://schemas.openxmlformats.org/drawingml/2006/main" xmlns:r="http://schemas.openxmlformats.org/officeDocument/2006/relationships" xmlns:p="http://schemas.openxmlformats.org/presentationml/2006/main">
+  <p:cSld>
+    <p:spTree>
+      <p:nvGrpSpPr>
+        <p:cNvPr id="1" name=""/>
+        <p:cNvGrpSpPr/>
+        <p:nvPr/>
+      </p:nvGrpSpPr>
+      <p:grpSpPr>
+        <a:xfrm>
+          <a:off x="0" y="0"/>
+          <a:ext cx="0" cy="0"/>
+          <a:chOff x="0" y="0"/>
+          <a:chExt cx="0" cy="0"/>
+        </a:xfrm>
+      </p:grpSpPr>
+      <p:sp>
+        <p:nvSpPr>
+          <p:cNvPr id="5" name="TextBox 4">
+            <a:extLst>
+              <a:ext uri="{FF2B5EF4-FFF2-40B4-BE49-F238E27FC236}">
+                <a16:creationId xmlns:a16="http://schemas.microsoft.com/office/drawing/2014/main" id="{682C6CCF-1D31-4CA3-9C30-2B1E153B6F96}"/>
+              </a:ext>
+            </a:extLst>
+          </p:cNvPr>
+          <p:cNvSpPr txBox="1"/>
+          <p:nvPr/>
+        </p:nvSpPr>
+        <p:spPr>
+          <a:xfrm>
+            <a:off x="226337" y="226337"/>
+            <a:ext cx="5311069" cy="3108543"/>
+          </a:xfrm>
+          <a:prstGeom prst="rect">
+            <a:avLst/>
+          </a:prstGeom>
+          <a:noFill/>
+        </p:spPr>
+        <p:txBody>
+          <a:bodyPr wrap="none" rtlCol="0">
+            <a:spAutoFit/>
+          </a:bodyPr>
+          <a:lstStyle/>
+          <a:p>
+            <a:pPr algn="l"/>
+            <a:r>
+              <a:rPr lang="en-US" altLang="ko-KR" sz="2800">
+                <a:latin typeface="Consolas" panose="020B0609020204030204" pitchFamily="49" charset="0"/>
+              </a:rPr>
+              <a:t>plt.figure(figsize=(10,6))</a:t>
+            </a:r>
+          </a:p>
+          <a:p>
+            <a:pPr algn="l"/>
+            <a:endParaRPr lang="en-US" altLang="ko-KR" sz="2800">
+              <a:latin typeface="Consolas" panose="020B0609020204030204" pitchFamily="49" charset="0"/>
+            </a:endParaRPr>
+          </a:p>
+          <a:p>
+            <a:pPr algn="l"/>
+            <a:r>
+              <a:rPr lang="en-US" altLang="ko-KR" sz="2800">
+                <a:latin typeface="Consolas" panose="020B0609020204030204" pitchFamily="49" charset="0"/>
+              </a:rPr>
+              <a:t>plt.subplot(221)</a:t>
+            </a:r>
+          </a:p>
+          <a:p>
+            <a:pPr algn="l"/>
+            <a:r>
+              <a:rPr lang="en-US" altLang="ko-KR" sz="2800">
+                <a:latin typeface="Consolas" panose="020B0609020204030204" pitchFamily="49" charset="0"/>
+              </a:rPr>
+              <a:t>plt.subplot(222)</a:t>
+            </a:r>
+          </a:p>
+          <a:p>
+            <a:pPr algn="l"/>
+            <a:r>
+              <a:rPr lang="en-US" altLang="ko-KR" sz="2800">
+                <a:latin typeface="Consolas" panose="020B0609020204030204" pitchFamily="49" charset="0"/>
+              </a:rPr>
+              <a:t>plt.subplot(211)</a:t>
+            </a:r>
+          </a:p>
+          <a:p>
+            <a:pPr algn="l"/>
+            <a:endParaRPr lang="en-US" altLang="ko-KR" sz="2800">
+              <a:latin typeface="Consolas" panose="020B0609020204030204" pitchFamily="49" charset="0"/>
+            </a:endParaRPr>
+          </a:p>
+          <a:p>
+            <a:pPr algn="l"/>
+            <a:r>
+              <a:rPr lang="en-US" altLang="ko-KR" sz="2800">
+                <a:latin typeface="Consolas" panose="020B0609020204030204" pitchFamily="49" charset="0"/>
+              </a:rPr>
+              <a:t>plt.show()</a:t>
+            </a:r>
+            <a:endParaRPr lang="ko-KR" altLang="en-US" sz="2800" dirty="0">
+              <a:latin typeface="Consolas" panose="020B0609020204030204" pitchFamily="49" charset="0"/>
+            </a:endParaRPr>
+          </a:p>
+        </p:txBody>
+      </p:sp>
+      <p:sp>
+        <p:nvSpPr>
+          <p:cNvPr id="6" name="직사각형 5">
+            <a:extLst>
+              <a:ext uri="{FF2B5EF4-FFF2-40B4-BE49-F238E27FC236}">
+                <a16:creationId xmlns:a16="http://schemas.microsoft.com/office/drawing/2014/main" id="{0084F097-C478-463F-88F6-5BCBEB9986D5}"/>
+              </a:ext>
+            </a:extLst>
+          </p:cNvPr>
+          <p:cNvSpPr/>
+          <p:nvPr/>
+        </p:nvSpPr>
+        <p:spPr>
+          <a:xfrm>
+            <a:off x="5797533" y="425512"/>
+            <a:ext cx="5311069" cy="3983526"/>
+          </a:xfrm>
+          <a:prstGeom prst="rect">
+            <a:avLst/>
+          </a:prstGeom>
+          <a:noFill/>
+        </p:spPr>
+        <p:style>
+          <a:lnRef idx="2">
+            <a:schemeClr val="accent1">
+              <a:shade val="50000"/>
+            </a:schemeClr>
+          </a:lnRef>
+          <a:fillRef idx="1">
+            <a:schemeClr val="accent1"/>
+          </a:fillRef>
+          <a:effectRef idx="0">
+            <a:schemeClr val="accent1"/>
+          </a:effectRef>
+          <a:fontRef idx="minor">
+            <a:schemeClr val="lt1"/>
+          </a:fontRef>
+        </p:style>
+        <p:txBody>
+          <a:bodyPr rot="0" spcFirstLastPara="0" vertOverflow="overflow" horzOverflow="overflow" vert="horz" wrap="square" lIns="91440" tIns="45720" rIns="91440" bIns="45720" numCol="1" spcCol="0" rtlCol="0" fromWordArt="0" anchor="ctr" anchorCtr="0" forceAA="0" compatLnSpc="1">
+            <a:prstTxWarp prst="textNoShape">
+              <a:avLst/>
+            </a:prstTxWarp>
+            <a:noAutofit/>
+          </a:bodyPr>
+          <a:lstStyle/>
+          <a:p>
+            <a:pPr algn="ctr"/>
+            <a:endParaRPr lang="ko-KR" altLang="en-US" sz="2000" dirty="0">
+              <a:solidFill>
+                <a:schemeClr val="tx1"/>
+              </a:solidFill>
+            </a:endParaRPr>
+          </a:p>
+        </p:txBody>
+      </p:sp>
+      <p:sp>
+        <p:nvSpPr>
+          <p:cNvPr id="7" name="직사각형 6">
+            <a:extLst>
+              <a:ext uri="{FF2B5EF4-FFF2-40B4-BE49-F238E27FC236}">
+                <a16:creationId xmlns:a16="http://schemas.microsoft.com/office/drawing/2014/main" id="{18A641FA-E4BE-4D37-9319-6B5E6B4DAC9C}"/>
+              </a:ext>
+            </a:extLst>
+          </p:cNvPr>
+          <p:cNvSpPr/>
+          <p:nvPr/>
+        </p:nvSpPr>
+        <p:spPr>
+          <a:xfrm>
+            <a:off x="5797532" y="425512"/>
+            <a:ext cx="2658405" cy="1991762"/>
+          </a:xfrm>
+          <a:prstGeom prst="rect">
+            <a:avLst/>
+          </a:prstGeom>
+          <a:solidFill>
+            <a:schemeClr val="bg1"/>
+          </a:solidFill>
+        </p:spPr>
+        <p:style>
+          <a:lnRef idx="2">
+            <a:schemeClr val="accent1">
+              <a:shade val="50000"/>
+            </a:schemeClr>
+          </a:lnRef>
+          <a:fillRef idx="1">
+            <a:schemeClr val="accent1"/>
+          </a:fillRef>
+          <a:effectRef idx="0">
+            <a:schemeClr val="accent1"/>
+          </a:effectRef>
+          <a:fontRef idx="minor">
+            <a:schemeClr val="lt1"/>
+          </a:fontRef>
+        </p:style>
+        <p:txBody>
+          <a:bodyPr rot="0" spcFirstLastPara="0" vertOverflow="overflow" horzOverflow="overflow" vert="horz" wrap="square" lIns="91440" tIns="45720" rIns="91440" bIns="45720" numCol="1" spcCol="0" rtlCol="0" fromWordArt="0" anchor="ctr" anchorCtr="0" forceAA="0" compatLnSpc="1">
+            <a:prstTxWarp prst="textNoShape">
+              <a:avLst/>
+            </a:prstTxWarp>
+            <a:noAutofit/>
+          </a:bodyPr>
+          <a:lstStyle/>
+          <a:p>
+            <a:pPr algn="ctr"/>
+            <a:r>
+              <a:rPr lang="en-US" altLang="ko-KR" sz="2000">
+                <a:solidFill>
+                  <a:schemeClr val="tx1"/>
+                </a:solidFill>
+              </a:rPr>
+              <a:t>1</a:t>
+            </a:r>
+            <a:endParaRPr lang="ko-KR" altLang="en-US" sz="2000" dirty="0">
+              <a:solidFill>
+                <a:schemeClr val="tx1"/>
+              </a:solidFill>
+            </a:endParaRPr>
+          </a:p>
+        </p:txBody>
+      </p:sp>
+      <p:sp>
+        <p:nvSpPr>
+          <p:cNvPr id="8" name="직사각형 7">
+            <a:extLst>
+              <a:ext uri="{FF2B5EF4-FFF2-40B4-BE49-F238E27FC236}">
+                <a16:creationId xmlns:a16="http://schemas.microsoft.com/office/drawing/2014/main" id="{374771C9-788B-4E0E-B988-45623F60B6AD}"/>
+              </a:ext>
+            </a:extLst>
+          </p:cNvPr>
+          <p:cNvSpPr/>
+          <p:nvPr/>
+        </p:nvSpPr>
+        <p:spPr>
+          <a:xfrm>
+            <a:off x="5797532" y="2417275"/>
+            <a:ext cx="5311069" cy="1991763"/>
+          </a:xfrm>
+          <a:prstGeom prst="rect">
+            <a:avLst/>
+          </a:prstGeom>
+          <a:solidFill>
+            <a:schemeClr val="bg1"/>
+          </a:solidFill>
+        </p:spPr>
+        <p:style>
+          <a:lnRef idx="2">
+            <a:schemeClr val="accent1">
+              <a:shade val="50000"/>
+            </a:schemeClr>
+          </a:lnRef>
+          <a:fillRef idx="1">
+            <a:schemeClr val="accent1"/>
+          </a:fillRef>
+          <a:effectRef idx="0">
+            <a:schemeClr val="accent1"/>
+          </a:effectRef>
+          <a:fontRef idx="minor">
+            <a:schemeClr val="lt1"/>
+          </a:fontRef>
+        </p:style>
+        <p:txBody>
+          <a:bodyPr rot="0" spcFirstLastPara="0" vertOverflow="overflow" horzOverflow="overflow" vert="horz" wrap="square" lIns="91440" tIns="45720" rIns="91440" bIns="45720" numCol="1" spcCol="0" rtlCol="0" fromWordArt="0" anchor="ctr" anchorCtr="0" forceAA="0" compatLnSpc="1">
+            <a:prstTxWarp prst="textNoShape">
+              <a:avLst/>
+            </a:prstTxWarp>
+            <a:noAutofit/>
+          </a:bodyPr>
+          <a:lstStyle/>
+          <a:p>
+            <a:pPr algn="ctr"/>
+            <a:endParaRPr lang="ko-KR" altLang="en-US" sz="2000" dirty="0">
+              <a:solidFill>
+                <a:schemeClr val="tx1"/>
+              </a:solidFill>
+            </a:endParaRPr>
+          </a:p>
+        </p:txBody>
+      </p:sp>
+      <p:sp>
+        <p:nvSpPr>
+          <p:cNvPr id="9" name="직사각형 8">
+            <a:extLst>
+              <a:ext uri="{FF2B5EF4-FFF2-40B4-BE49-F238E27FC236}">
+                <a16:creationId xmlns:a16="http://schemas.microsoft.com/office/drawing/2014/main" id="{D0ECE436-6C77-43F7-888C-AA2972BD0591}"/>
+              </a:ext>
+            </a:extLst>
+          </p:cNvPr>
+          <p:cNvSpPr/>
+          <p:nvPr/>
+        </p:nvSpPr>
+        <p:spPr>
+          <a:xfrm>
+            <a:off x="8453066" y="425512"/>
+            <a:ext cx="2658405" cy="1991762"/>
+          </a:xfrm>
+          <a:prstGeom prst="rect">
+            <a:avLst/>
+          </a:prstGeom>
+          <a:solidFill>
+            <a:schemeClr val="bg1"/>
+          </a:solidFill>
+        </p:spPr>
+        <p:style>
+          <a:lnRef idx="2">
+            <a:schemeClr val="accent1">
+              <a:shade val="50000"/>
+            </a:schemeClr>
+          </a:lnRef>
+          <a:fillRef idx="1">
+            <a:schemeClr val="accent1"/>
+          </a:fillRef>
+          <a:effectRef idx="0">
+            <a:schemeClr val="accent1"/>
+          </a:effectRef>
+          <a:fontRef idx="minor">
+            <a:schemeClr val="lt1"/>
+          </a:fontRef>
+        </p:style>
+        <p:txBody>
+          <a:bodyPr rot="0" spcFirstLastPara="0" vertOverflow="overflow" horzOverflow="overflow" vert="horz" wrap="square" lIns="91440" tIns="45720" rIns="91440" bIns="45720" numCol="1" spcCol="0" rtlCol="0" fromWordArt="0" anchor="ctr" anchorCtr="0" forceAA="0" compatLnSpc="1">
+            <a:prstTxWarp prst="textNoShape">
+              <a:avLst/>
+            </a:prstTxWarp>
+            <a:noAutofit/>
+          </a:bodyPr>
+          <a:lstStyle/>
+          <a:p>
+            <a:pPr algn="ctr"/>
+            <a:r>
+              <a:rPr lang="en-US" altLang="ko-KR" sz="2000">
+                <a:solidFill>
+                  <a:schemeClr val="tx1"/>
+                </a:solidFill>
+              </a:rPr>
+              <a:t>2</a:t>
+            </a:r>
+            <a:endParaRPr lang="ko-KR" altLang="en-US" sz="2000" dirty="0">
+              <a:solidFill>
+                <a:schemeClr val="tx1"/>
+              </a:solidFill>
+            </a:endParaRPr>
+          </a:p>
+        </p:txBody>
+      </p:sp>
+      <p:sp>
+        <p:nvSpPr>
+          <p:cNvPr id="2" name="TextBox 1">
+            <a:extLst>
+              <a:ext uri="{FF2B5EF4-FFF2-40B4-BE49-F238E27FC236}">
+                <a16:creationId xmlns:a16="http://schemas.microsoft.com/office/drawing/2014/main" id="{0F71A434-A750-4491-B670-2286644FC196}"/>
+              </a:ext>
+            </a:extLst>
+          </p:cNvPr>
+          <p:cNvSpPr txBox="1"/>
+          <p:nvPr/>
+        </p:nvSpPr>
+        <p:spPr>
+          <a:xfrm>
+            <a:off x="11240740" y="1159783"/>
+            <a:ext cx="381836" cy="523220"/>
+          </a:xfrm>
+          <a:prstGeom prst="rect">
+            <a:avLst/>
+          </a:prstGeom>
+          <a:noFill/>
+        </p:spPr>
+        <p:txBody>
+          <a:bodyPr wrap="none" rtlCol="0">
+            <a:spAutoFit/>
+          </a:bodyPr>
+          <a:lstStyle/>
+          <a:p>
+            <a:pPr algn="l"/>
+            <a:r>
+              <a:rPr lang="en-US" altLang="ko-KR" sz="2800">
+                <a:latin typeface="Consolas" panose="020B0609020204030204" pitchFamily="49" charset="0"/>
+              </a:rPr>
+              <a:t>3</a:t>
+            </a:r>
+            <a:endParaRPr lang="ko-KR" altLang="en-US" sz="2800" dirty="0">
+              <a:latin typeface="Consolas" panose="020B0609020204030204" pitchFamily="49" charset="0"/>
+            </a:endParaRPr>
+          </a:p>
+        </p:txBody>
+      </p:sp>
+      <p:sp>
+        <p:nvSpPr>
+          <p:cNvPr id="11" name="TextBox 10">
+            <a:extLst>
+              <a:ext uri="{FF2B5EF4-FFF2-40B4-BE49-F238E27FC236}">
+                <a16:creationId xmlns:a16="http://schemas.microsoft.com/office/drawing/2014/main" id="{DADDFCBF-1E73-410B-874E-075D62C5FA93}"/>
+              </a:ext>
+            </a:extLst>
+          </p:cNvPr>
+          <p:cNvSpPr txBox="1"/>
+          <p:nvPr/>
+        </p:nvSpPr>
+        <p:spPr>
+          <a:xfrm>
+            <a:off x="8130010" y="-35273"/>
+            <a:ext cx="579005" cy="523220"/>
+          </a:xfrm>
+          <a:prstGeom prst="rect">
+            <a:avLst/>
+          </a:prstGeom>
+          <a:noFill/>
+        </p:spPr>
+        <p:txBody>
+          <a:bodyPr wrap="none" rtlCol="0">
+            <a:spAutoFit/>
+          </a:bodyPr>
+          <a:lstStyle/>
+          <a:p>
+            <a:pPr algn="l"/>
+            <a:r>
+              <a:rPr lang="en-US" altLang="ko-KR" sz="2800">
+                <a:latin typeface="Consolas" panose="020B0609020204030204" pitchFamily="49" charset="0"/>
+              </a:rPr>
+              <a:t>10</a:t>
+            </a:r>
+            <a:endParaRPr lang="ko-KR" altLang="en-US" sz="2800" dirty="0">
+              <a:latin typeface="Consolas" panose="020B0609020204030204" pitchFamily="49" charset="0"/>
+            </a:endParaRPr>
+          </a:p>
+        </p:txBody>
+      </p:sp>
+      <p:sp>
+        <p:nvSpPr>
+          <p:cNvPr id="12" name="TextBox 11">
+            <a:extLst>
+              <a:ext uri="{FF2B5EF4-FFF2-40B4-BE49-F238E27FC236}">
+                <a16:creationId xmlns:a16="http://schemas.microsoft.com/office/drawing/2014/main" id="{F9C38335-95D6-414B-8249-1FDB434A3A25}"/>
+              </a:ext>
+            </a:extLst>
+          </p:cNvPr>
+          <p:cNvSpPr txBox="1"/>
+          <p:nvPr/>
+        </p:nvSpPr>
+        <p:spPr>
+          <a:xfrm>
+            <a:off x="11240740" y="3073270"/>
+            <a:ext cx="381836" cy="523220"/>
+          </a:xfrm>
+          <a:prstGeom prst="rect">
+            <a:avLst/>
+          </a:prstGeom>
+          <a:noFill/>
+        </p:spPr>
+        <p:txBody>
+          <a:bodyPr wrap="none" rtlCol="0">
+            <a:spAutoFit/>
+          </a:bodyPr>
+          <a:lstStyle/>
+          <a:p>
+            <a:pPr algn="l"/>
+            <a:r>
+              <a:rPr lang="en-US" altLang="ko-KR" sz="2800">
+                <a:latin typeface="Consolas" panose="020B0609020204030204" pitchFamily="49" charset="0"/>
+              </a:rPr>
+              <a:t>3</a:t>
+            </a:r>
+            <a:endParaRPr lang="ko-KR" altLang="en-US" sz="2800" dirty="0">
+              <a:latin typeface="Consolas" panose="020B0609020204030204" pitchFamily="49" charset="0"/>
+            </a:endParaRPr>
+          </a:p>
+        </p:txBody>
+      </p:sp>
+      <p:sp>
+        <p:nvSpPr>
+          <p:cNvPr id="3" name="TextBox 2">
+            <a:extLst>
+              <a:ext uri="{FF2B5EF4-FFF2-40B4-BE49-F238E27FC236}">
+                <a16:creationId xmlns:a16="http://schemas.microsoft.com/office/drawing/2014/main" id="{BF50DDEF-C900-403F-AD5A-916F02F33A44}"/>
+              </a:ext>
+            </a:extLst>
+          </p:cNvPr>
+          <p:cNvSpPr txBox="1"/>
+          <p:nvPr/>
+        </p:nvSpPr>
+        <p:spPr>
+          <a:xfrm>
+            <a:off x="5178582" y="1339913"/>
+            <a:ext cx="381836" cy="523220"/>
+          </a:xfrm>
+          <a:prstGeom prst="rect">
+            <a:avLst/>
+          </a:prstGeom>
+          <a:noFill/>
+        </p:spPr>
+        <p:txBody>
+          <a:bodyPr wrap="none" rtlCol="0">
+            <a:spAutoFit/>
+          </a:bodyPr>
+          <a:lstStyle/>
+          <a:p>
+            <a:pPr algn="l"/>
+            <a:r>
+              <a:rPr lang="en-US" altLang="ko-KR" sz="2800">
+                <a:latin typeface="Consolas" panose="020B0609020204030204" pitchFamily="49" charset="0"/>
+              </a:rPr>
+              <a:t>1</a:t>
+            </a:r>
+            <a:endParaRPr lang="ko-KR" altLang="en-US" sz="2800" dirty="0">
+              <a:latin typeface="Consolas" panose="020B0609020204030204" pitchFamily="49" charset="0"/>
+            </a:endParaRPr>
+          </a:p>
+        </p:txBody>
+      </p:sp>
+      <p:sp>
+        <p:nvSpPr>
+          <p:cNvPr id="13" name="TextBox 12">
+            <a:extLst>
+              <a:ext uri="{FF2B5EF4-FFF2-40B4-BE49-F238E27FC236}">
+                <a16:creationId xmlns:a16="http://schemas.microsoft.com/office/drawing/2014/main" id="{93898A7B-FA5F-449A-903D-7D3EC2086FF8}"/>
+              </a:ext>
+            </a:extLst>
+          </p:cNvPr>
+          <p:cNvSpPr txBox="1"/>
+          <p:nvPr/>
+        </p:nvSpPr>
+        <p:spPr>
+          <a:xfrm>
+            <a:off x="8306997" y="3167390"/>
+            <a:ext cx="437940" cy="646331"/>
+          </a:xfrm>
+          <a:prstGeom prst="rect">
+            <a:avLst/>
+          </a:prstGeom>
+          <a:noFill/>
+        </p:spPr>
+        <p:txBody>
+          <a:bodyPr wrap="none" rtlCol="0">
+            <a:spAutoFit/>
+          </a:bodyPr>
+          <a:lstStyle/>
+          <a:p>
+            <a:pPr algn="l"/>
+            <a:r>
+              <a:rPr lang="en-US" altLang="ko-KR" sz="3600">
+                <a:latin typeface="Consolas" panose="020B0609020204030204" pitchFamily="49" charset="0"/>
+              </a:rPr>
+              <a:t>2</a:t>
+            </a:r>
+            <a:endParaRPr lang="ko-KR" altLang="en-US" sz="3600" dirty="0">
+              <a:latin typeface="Consolas" panose="020B0609020204030204" pitchFamily="49" charset="0"/>
+            </a:endParaRPr>
+          </a:p>
+        </p:txBody>
+      </p:sp>
+    </p:spTree>
+    <p:extLst>
+      <p:ext uri="{BB962C8B-B14F-4D97-AF65-F5344CB8AC3E}">
+        <p14:creationId xmlns:p14="http://schemas.microsoft.com/office/powerpoint/2010/main" val="1348317783"/>
+      </p:ext>
+    </p:extLst>
+  </p:cSld>
+  <p:clrMapOvr>
+    <a:masterClrMapping/>
+  </p:clrMapOvr>
+</p:sld>
+</file>
+
+<file path=ppt/slides/slide4.xml><?xml version="1.0" encoding="utf-8"?>
+<p:sld xmlns:a="http://schemas.openxmlformats.org/drawingml/2006/main" xmlns:r="http://schemas.openxmlformats.org/officeDocument/2006/relationships" xmlns:p="http://schemas.openxmlformats.org/presentationml/2006/main">
+  <p:cSld>
+    <p:spTree>
+      <p:nvGrpSpPr>
+        <p:cNvPr id="1" name=""/>
+        <p:cNvGrpSpPr/>
+        <p:nvPr/>
+      </p:nvGrpSpPr>
+      <p:grpSpPr>
+        <a:xfrm>
+          <a:off x="0" y="0"/>
+          <a:ext cx="0" cy="0"/>
+          <a:chOff x="0" y="0"/>
+          <a:chExt cx="0" cy="0"/>
+        </a:xfrm>
+      </p:grpSpPr>
+      <p:sp>
+        <p:nvSpPr>
+          <p:cNvPr id="5" name="TextBox 4">
+            <a:extLst>
+              <a:ext uri="{FF2B5EF4-FFF2-40B4-BE49-F238E27FC236}">
+                <a16:creationId xmlns:a16="http://schemas.microsoft.com/office/drawing/2014/main" id="{682C6CCF-1D31-4CA3-9C30-2B1E153B6F96}"/>
+              </a:ext>
+            </a:extLst>
+          </p:cNvPr>
+          <p:cNvSpPr txBox="1"/>
+          <p:nvPr/>
+        </p:nvSpPr>
+        <p:spPr>
+          <a:xfrm>
+            <a:off x="226337" y="226337"/>
+            <a:ext cx="5311069" cy="3970318"/>
+          </a:xfrm>
+          <a:prstGeom prst="rect">
+            <a:avLst/>
+          </a:prstGeom>
+          <a:noFill/>
+        </p:spPr>
+        <p:txBody>
+          <a:bodyPr wrap="none" rtlCol="0">
+            <a:spAutoFit/>
+          </a:bodyPr>
+          <a:lstStyle/>
+          <a:p>
+            <a:pPr algn="l"/>
+            <a:r>
+              <a:rPr lang="en-US" altLang="ko-KR" sz="2800">
+                <a:latin typeface="Consolas" panose="020B0609020204030204" pitchFamily="49" charset="0"/>
+              </a:rPr>
+              <a:t>plt.figure(figsize=(10,6))</a:t>
+            </a:r>
+          </a:p>
+          <a:p>
+            <a:pPr algn="l"/>
+            <a:endParaRPr lang="en-US" altLang="ko-KR" sz="2800">
+              <a:latin typeface="Consolas" panose="020B0609020204030204" pitchFamily="49" charset="0"/>
+            </a:endParaRPr>
+          </a:p>
+          <a:p>
+            <a:pPr algn="l"/>
+            <a:r>
+              <a:rPr lang="en-US" altLang="ko-KR" sz="2800">
+                <a:latin typeface="Consolas" panose="020B0609020204030204" pitchFamily="49" charset="0"/>
+              </a:rPr>
+              <a:t>plt.subplot(411)</a:t>
+            </a:r>
+          </a:p>
+          <a:p>
+            <a:pPr algn="l"/>
+            <a:r>
+              <a:rPr lang="en-US" altLang="ko-KR" sz="2800">
+                <a:latin typeface="Consolas" panose="020B0609020204030204" pitchFamily="49" charset="0"/>
+              </a:rPr>
+              <a:t>plt.subplot(423)</a:t>
+            </a:r>
+          </a:p>
+          <a:p>
+            <a:pPr algn="l"/>
+            <a:r>
+              <a:rPr lang="en-US" altLang="ko-KR" sz="2800">
+                <a:latin typeface="Consolas" panose="020B0609020204030204" pitchFamily="49" charset="0"/>
+              </a:rPr>
+              <a:t>plt.subplot(424)</a:t>
+            </a:r>
+          </a:p>
+          <a:p>
+            <a:pPr algn="l"/>
+            <a:r>
+              <a:rPr lang="en-US" altLang="ko-KR" sz="2800">
+                <a:latin typeface="Consolas" panose="020B0609020204030204" pitchFamily="49" charset="0"/>
+              </a:rPr>
+              <a:t>plt.subplot(413)</a:t>
+            </a:r>
+          </a:p>
+          <a:p>
+            <a:pPr algn="l"/>
+            <a:r>
+              <a:rPr lang="en-US" altLang="ko-KR" sz="2800">
+                <a:latin typeface="Consolas" panose="020B0609020204030204" pitchFamily="49" charset="0"/>
+              </a:rPr>
+              <a:t>plt.subplot(414)</a:t>
+            </a:r>
+          </a:p>
+          <a:p>
+            <a:pPr algn="l"/>
+            <a:endParaRPr lang="en-US" altLang="ko-KR" sz="2800">
+              <a:latin typeface="Consolas" panose="020B0609020204030204" pitchFamily="49" charset="0"/>
+            </a:endParaRPr>
+          </a:p>
+          <a:p>
+            <a:pPr algn="l"/>
+            <a:r>
+              <a:rPr lang="en-US" altLang="ko-KR" sz="2800">
+                <a:latin typeface="Consolas" panose="020B0609020204030204" pitchFamily="49" charset="0"/>
+              </a:rPr>
+              <a:t>plt.show()</a:t>
+            </a:r>
+            <a:endParaRPr lang="ko-KR" altLang="en-US" sz="2800" dirty="0">
+              <a:latin typeface="Consolas" panose="020B0609020204030204" pitchFamily="49" charset="0"/>
+            </a:endParaRPr>
+          </a:p>
+        </p:txBody>
+      </p:sp>
+      <p:sp>
+        <p:nvSpPr>
+          <p:cNvPr id="6" name="직사각형 5">
+            <a:extLst>
+              <a:ext uri="{FF2B5EF4-FFF2-40B4-BE49-F238E27FC236}">
+                <a16:creationId xmlns:a16="http://schemas.microsoft.com/office/drawing/2014/main" id="{0084F097-C478-463F-88F6-5BCBEB9986D5}"/>
+              </a:ext>
+            </a:extLst>
+          </p:cNvPr>
+          <p:cNvSpPr/>
+          <p:nvPr/>
+        </p:nvSpPr>
+        <p:spPr>
+          <a:xfrm>
+            <a:off x="5797533" y="425512"/>
+            <a:ext cx="5311069" cy="3983526"/>
+          </a:xfrm>
+          <a:prstGeom prst="rect">
+            <a:avLst/>
+          </a:prstGeom>
+          <a:noFill/>
+        </p:spPr>
+        <p:style>
+          <a:lnRef idx="2">
+            <a:schemeClr val="accent1">
+              <a:shade val="50000"/>
+            </a:schemeClr>
+          </a:lnRef>
+          <a:fillRef idx="1">
+            <a:schemeClr val="accent1"/>
+          </a:fillRef>
+          <a:effectRef idx="0">
+            <a:schemeClr val="accent1"/>
+          </a:effectRef>
+          <a:fontRef idx="minor">
+            <a:schemeClr val="lt1"/>
+          </a:fontRef>
+        </p:style>
+        <p:txBody>
+          <a:bodyPr rot="0" spcFirstLastPara="0" vertOverflow="overflow" horzOverflow="overflow" vert="horz" wrap="square" lIns="91440" tIns="45720" rIns="91440" bIns="45720" numCol="1" spcCol="0" rtlCol="0" fromWordArt="0" anchor="ctr" anchorCtr="0" forceAA="0" compatLnSpc="1">
+            <a:prstTxWarp prst="textNoShape">
+              <a:avLst/>
+            </a:prstTxWarp>
+            <a:noAutofit/>
+          </a:bodyPr>
+          <a:lstStyle/>
+          <a:p>
+            <a:pPr algn="ctr"/>
+            <a:endParaRPr lang="ko-KR" altLang="en-US" sz="2000" dirty="0">
+              <a:solidFill>
+                <a:schemeClr val="tx1"/>
+              </a:solidFill>
+            </a:endParaRPr>
+          </a:p>
+        </p:txBody>
+      </p:sp>
+      <p:sp>
+        <p:nvSpPr>
+          <p:cNvPr id="7" name="직사각형 6">
+            <a:extLst>
+              <a:ext uri="{FF2B5EF4-FFF2-40B4-BE49-F238E27FC236}">
+                <a16:creationId xmlns:a16="http://schemas.microsoft.com/office/drawing/2014/main" id="{18A641FA-E4BE-4D37-9319-6B5E6B4DAC9C}"/>
+              </a:ext>
+            </a:extLst>
+          </p:cNvPr>
+          <p:cNvSpPr/>
+          <p:nvPr/>
+        </p:nvSpPr>
+        <p:spPr>
+          <a:xfrm>
+            <a:off x="5797532" y="425512"/>
+            <a:ext cx="5311069" cy="995882"/>
+          </a:xfrm>
+          <a:prstGeom prst="rect">
+            <a:avLst/>
+          </a:prstGeom>
+          <a:solidFill>
+            <a:schemeClr val="bg1"/>
+          </a:solidFill>
+        </p:spPr>
+        <p:style>
+          <a:lnRef idx="2">
+            <a:schemeClr val="accent1">
+              <a:shade val="50000"/>
+            </a:schemeClr>
+          </a:lnRef>
+          <a:fillRef idx="1">
+            <a:schemeClr val="accent1"/>
+          </a:fillRef>
+          <a:effectRef idx="0">
+            <a:schemeClr val="accent1"/>
+          </a:effectRef>
+          <a:fontRef idx="minor">
+            <a:schemeClr val="lt1"/>
+          </a:fontRef>
+        </p:style>
+        <p:txBody>
+          <a:bodyPr rot="0" spcFirstLastPara="0" vertOverflow="overflow" horzOverflow="overflow" vert="horz" wrap="square" lIns="91440" tIns="45720" rIns="91440" bIns="45720" numCol="1" spcCol="0" rtlCol="0" fromWordArt="0" anchor="ctr" anchorCtr="0" forceAA="0" compatLnSpc="1">
+            <a:prstTxWarp prst="textNoShape">
+              <a:avLst/>
+            </a:prstTxWarp>
+            <a:noAutofit/>
+          </a:bodyPr>
+          <a:lstStyle/>
+          <a:p>
+            <a:pPr algn="ctr"/>
+            <a:endParaRPr lang="ko-KR" altLang="en-US" sz="2000" dirty="0">
+              <a:solidFill>
+                <a:schemeClr val="tx1"/>
+              </a:solidFill>
+            </a:endParaRPr>
+          </a:p>
+        </p:txBody>
+      </p:sp>
+      <p:sp>
+        <p:nvSpPr>
+          <p:cNvPr id="11" name="TextBox 10">
+            <a:extLst>
+              <a:ext uri="{FF2B5EF4-FFF2-40B4-BE49-F238E27FC236}">
+                <a16:creationId xmlns:a16="http://schemas.microsoft.com/office/drawing/2014/main" id="{DADDFCBF-1E73-410B-874E-075D62C5FA93}"/>
+              </a:ext>
+            </a:extLst>
+          </p:cNvPr>
+          <p:cNvSpPr txBox="1"/>
+          <p:nvPr/>
+        </p:nvSpPr>
+        <p:spPr>
+          <a:xfrm>
+            <a:off x="8130010" y="-35273"/>
+            <a:ext cx="579005" cy="523220"/>
+          </a:xfrm>
+          <a:prstGeom prst="rect">
+            <a:avLst/>
+          </a:prstGeom>
+          <a:noFill/>
+        </p:spPr>
+        <p:txBody>
+          <a:bodyPr wrap="none" rtlCol="0">
+            <a:spAutoFit/>
+          </a:bodyPr>
+          <a:lstStyle/>
+          <a:p>
+            <a:pPr algn="l"/>
+            <a:r>
+              <a:rPr lang="en-US" altLang="ko-KR" sz="2800">
+                <a:latin typeface="Consolas" panose="020B0609020204030204" pitchFamily="49" charset="0"/>
+              </a:rPr>
+              <a:t>10</a:t>
+            </a:r>
+            <a:endParaRPr lang="ko-KR" altLang="en-US" sz="2800" dirty="0">
+              <a:latin typeface="Consolas" panose="020B0609020204030204" pitchFamily="49" charset="0"/>
+            </a:endParaRPr>
+          </a:p>
+        </p:txBody>
+      </p:sp>
+      <p:sp>
+        <p:nvSpPr>
+          <p:cNvPr id="14" name="직사각형 13">
+            <a:extLst>
+              <a:ext uri="{FF2B5EF4-FFF2-40B4-BE49-F238E27FC236}">
+                <a16:creationId xmlns:a16="http://schemas.microsoft.com/office/drawing/2014/main" id="{D2751482-7EDE-48BC-A5D3-50A70E6766CB}"/>
+              </a:ext>
+            </a:extLst>
+          </p:cNvPr>
+          <p:cNvSpPr/>
+          <p:nvPr/>
+        </p:nvSpPr>
+        <p:spPr>
+          <a:xfrm>
+            <a:off x="5797532" y="1421393"/>
+            <a:ext cx="2649352" cy="995882"/>
+          </a:xfrm>
+          <a:prstGeom prst="rect">
+            <a:avLst/>
+          </a:prstGeom>
+          <a:solidFill>
+            <a:schemeClr val="bg1"/>
+          </a:solidFill>
+        </p:spPr>
+        <p:style>
+          <a:lnRef idx="2">
+            <a:schemeClr val="accent1">
+              <a:shade val="50000"/>
+            </a:schemeClr>
+          </a:lnRef>
+          <a:fillRef idx="1">
+            <a:schemeClr val="accent1"/>
+          </a:fillRef>
+          <a:effectRef idx="0">
+            <a:schemeClr val="accent1"/>
+          </a:effectRef>
+          <a:fontRef idx="minor">
+            <a:schemeClr val="lt1"/>
+          </a:fontRef>
+        </p:style>
+        <p:txBody>
+          <a:bodyPr rot="0" spcFirstLastPara="0" vertOverflow="overflow" horzOverflow="overflow" vert="horz" wrap="square" lIns="91440" tIns="45720" rIns="91440" bIns="45720" numCol="1" spcCol="0" rtlCol="0" fromWordArt="0" anchor="ctr" anchorCtr="0" forceAA="0" compatLnSpc="1">
+            <a:prstTxWarp prst="textNoShape">
+              <a:avLst/>
+            </a:prstTxWarp>
+            <a:noAutofit/>
+          </a:bodyPr>
+          <a:lstStyle/>
+          <a:p>
+            <a:pPr algn="ctr"/>
+            <a:endParaRPr lang="ko-KR" altLang="en-US" sz="2000" dirty="0">
+              <a:solidFill>
+                <a:schemeClr val="tx1"/>
+              </a:solidFill>
+            </a:endParaRPr>
+          </a:p>
+        </p:txBody>
+      </p:sp>
+      <p:sp>
+        <p:nvSpPr>
+          <p:cNvPr id="15" name="직사각형 14">
+            <a:extLst>
+              <a:ext uri="{FF2B5EF4-FFF2-40B4-BE49-F238E27FC236}">
+                <a16:creationId xmlns:a16="http://schemas.microsoft.com/office/drawing/2014/main" id="{7356FD60-75F1-42A9-9A22-4E253DE72177}"/>
+              </a:ext>
+            </a:extLst>
+          </p:cNvPr>
+          <p:cNvSpPr/>
+          <p:nvPr/>
+        </p:nvSpPr>
+        <p:spPr>
+          <a:xfrm>
+            <a:off x="5797531" y="2417274"/>
+            <a:ext cx="5311069" cy="995882"/>
+          </a:xfrm>
+          <a:prstGeom prst="rect">
+            <a:avLst/>
+          </a:prstGeom>
+          <a:solidFill>
+            <a:schemeClr val="bg1"/>
+          </a:solidFill>
+        </p:spPr>
+        <p:style>
+          <a:lnRef idx="2">
+            <a:schemeClr val="accent1">
+              <a:shade val="50000"/>
+            </a:schemeClr>
+          </a:lnRef>
+          <a:fillRef idx="1">
+            <a:schemeClr val="accent1"/>
+          </a:fillRef>
+          <a:effectRef idx="0">
+            <a:schemeClr val="accent1"/>
+          </a:effectRef>
+          <a:fontRef idx="minor">
+            <a:schemeClr val="lt1"/>
+          </a:fontRef>
+        </p:style>
+        <p:txBody>
+          <a:bodyPr rot="0" spcFirstLastPara="0" vertOverflow="overflow" horzOverflow="overflow" vert="horz" wrap="square" lIns="91440" tIns="45720" rIns="91440" bIns="45720" numCol="1" spcCol="0" rtlCol="0" fromWordArt="0" anchor="ctr" anchorCtr="0" forceAA="0" compatLnSpc="1">
+            <a:prstTxWarp prst="textNoShape">
+              <a:avLst/>
+            </a:prstTxWarp>
+            <a:noAutofit/>
+          </a:bodyPr>
+          <a:lstStyle/>
+          <a:p>
+            <a:pPr algn="ctr"/>
+            <a:endParaRPr lang="ko-KR" altLang="en-US" sz="2000" dirty="0">
+              <a:solidFill>
+                <a:schemeClr val="tx1"/>
+              </a:solidFill>
+            </a:endParaRPr>
+          </a:p>
+        </p:txBody>
+      </p:sp>
+      <p:sp>
+        <p:nvSpPr>
+          <p:cNvPr id="16" name="직사각형 15">
+            <a:extLst>
+              <a:ext uri="{FF2B5EF4-FFF2-40B4-BE49-F238E27FC236}">
+                <a16:creationId xmlns:a16="http://schemas.microsoft.com/office/drawing/2014/main" id="{E82B6E18-5BFB-4B67-B601-779709F8D5A5}"/>
+              </a:ext>
+            </a:extLst>
+          </p:cNvPr>
+          <p:cNvSpPr/>
+          <p:nvPr/>
+        </p:nvSpPr>
+        <p:spPr>
+          <a:xfrm>
+            <a:off x="5797531" y="3413155"/>
+            <a:ext cx="5311069" cy="995882"/>
+          </a:xfrm>
+          <a:prstGeom prst="rect">
+            <a:avLst/>
+          </a:prstGeom>
+          <a:solidFill>
+            <a:schemeClr val="bg1"/>
+          </a:solidFill>
+        </p:spPr>
+        <p:style>
+          <a:lnRef idx="2">
+            <a:schemeClr val="accent1">
+              <a:shade val="50000"/>
+            </a:schemeClr>
+          </a:lnRef>
+          <a:fillRef idx="1">
+            <a:schemeClr val="accent1"/>
+          </a:fillRef>
+          <a:effectRef idx="0">
+            <a:schemeClr val="accent1"/>
+          </a:effectRef>
+          <a:fontRef idx="minor">
+            <a:schemeClr val="lt1"/>
+          </a:fontRef>
+        </p:style>
+        <p:txBody>
+          <a:bodyPr rot="0" spcFirstLastPara="0" vertOverflow="overflow" horzOverflow="overflow" vert="horz" wrap="square" lIns="91440" tIns="45720" rIns="91440" bIns="45720" numCol="1" spcCol="0" rtlCol="0" fromWordArt="0" anchor="ctr" anchorCtr="0" forceAA="0" compatLnSpc="1">
+            <a:prstTxWarp prst="textNoShape">
+              <a:avLst/>
+            </a:prstTxWarp>
+            <a:noAutofit/>
+          </a:bodyPr>
+          <a:lstStyle/>
+          <a:p>
+            <a:pPr algn="ctr"/>
+            <a:endParaRPr lang="ko-KR" altLang="en-US" sz="2000" dirty="0">
+              <a:solidFill>
+                <a:schemeClr val="tx1"/>
+              </a:solidFill>
+            </a:endParaRPr>
+          </a:p>
+        </p:txBody>
+      </p:sp>
+      <p:sp>
+        <p:nvSpPr>
+          <p:cNvPr id="17" name="직사각형 16">
+            <a:extLst>
+              <a:ext uri="{FF2B5EF4-FFF2-40B4-BE49-F238E27FC236}">
+                <a16:creationId xmlns:a16="http://schemas.microsoft.com/office/drawing/2014/main" id="{323A40F1-C75E-424E-9C08-50200E465795}"/>
+              </a:ext>
+            </a:extLst>
+          </p:cNvPr>
+          <p:cNvSpPr/>
+          <p:nvPr/>
+        </p:nvSpPr>
+        <p:spPr>
+          <a:xfrm>
+            <a:off x="8459249" y="1421393"/>
+            <a:ext cx="2649352" cy="995882"/>
+          </a:xfrm>
+          <a:prstGeom prst="rect">
+            <a:avLst/>
+          </a:prstGeom>
+          <a:solidFill>
+            <a:schemeClr val="bg1"/>
+          </a:solidFill>
+        </p:spPr>
+        <p:style>
+          <a:lnRef idx="2">
+            <a:schemeClr val="accent1">
+              <a:shade val="50000"/>
+            </a:schemeClr>
+          </a:lnRef>
+          <a:fillRef idx="1">
+            <a:schemeClr val="accent1"/>
+          </a:fillRef>
+          <a:effectRef idx="0">
+            <a:schemeClr val="accent1"/>
+          </a:effectRef>
+          <a:fontRef idx="minor">
+            <a:schemeClr val="lt1"/>
+          </a:fontRef>
+        </p:style>
+        <p:txBody>
+          <a:bodyPr rot="0" spcFirstLastPara="0" vertOverflow="overflow" horzOverflow="overflow" vert="horz" wrap="square" lIns="91440" tIns="45720" rIns="91440" bIns="45720" numCol="1" spcCol="0" rtlCol="0" fromWordArt="0" anchor="ctr" anchorCtr="0" forceAA="0" compatLnSpc="1">
+            <a:prstTxWarp prst="textNoShape">
+              <a:avLst/>
+            </a:prstTxWarp>
+            <a:noAutofit/>
+          </a:bodyPr>
+          <a:lstStyle/>
+          <a:p>
+            <a:pPr algn="ctr"/>
+            <a:endParaRPr lang="ko-KR" altLang="en-US" sz="2000" dirty="0">
+              <a:solidFill>
+                <a:schemeClr val="tx1"/>
+              </a:solidFill>
+            </a:endParaRPr>
+          </a:p>
+        </p:txBody>
+      </p:sp>
+    </p:spTree>
+    <p:extLst>
+      <p:ext uri="{BB962C8B-B14F-4D97-AF65-F5344CB8AC3E}">
+        <p14:creationId xmlns:p14="http://schemas.microsoft.com/office/powerpoint/2010/main" val="1164479573"/>
+      </p:ext>
+    </p:extLst>
+  </p:cSld>
+  <p:clrMapOvr>
+    <a:masterClrMapping/>
+  </p:clrMapOvr>
+</p:sld>
+</file>
+
+<file path=ppt/slides/slide5.xml><?xml version="1.0" encoding="utf-8"?>
+<p:sld xmlns:a="http://schemas.openxmlformats.org/drawingml/2006/main" xmlns:r="http://schemas.openxmlformats.org/officeDocument/2006/relationships" xmlns:p="http://schemas.openxmlformats.org/presentationml/2006/main">
+  <p:cSld>
+    <p:spTree>
+      <p:nvGrpSpPr>
+        <p:cNvPr id="1" name=""/>
+        <p:cNvGrpSpPr/>
+        <p:nvPr/>
+      </p:nvGrpSpPr>
+      <p:grpSpPr>
+        <a:xfrm>
+          <a:off x="0" y="0"/>
+          <a:ext cx="0" cy="0"/>
+          <a:chOff x="0" y="0"/>
+          <a:chExt cx="0" cy="0"/>
+        </a:xfrm>
+      </p:grpSpPr>
+      <p:sp>
+        <p:nvSpPr>
+          <p:cNvPr id="4" name="TextBox 3">
+            <a:extLst>
+              <a:ext uri="{FF2B5EF4-FFF2-40B4-BE49-F238E27FC236}">
+                <a16:creationId xmlns:a16="http://schemas.microsoft.com/office/drawing/2014/main" id="{D79403D8-FAE5-4184-9A62-2583D12855B6}"/>
+              </a:ext>
+            </a:extLst>
+          </p:cNvPr>
+          <p:cNvSpPr txBox="1"/>
+          <p:nvPr/>
+        </p:nvSpPr>
+        <p:spPr>
+          <a:xfrm>
+            <a:off x="90535" y="0"/>
+            <a:ext cx="7494359" cy="3477875"/>
+          </a:xfrm>
+          <a:prstGeom prst="rect">
+            <a:avLst/>
+          </a:prstGeom>
+          <a:noFill/>
+        </p:spPr>
+        <p:txBody>
+          <a:bodyPr wrap="none" rtlCol="0">
+            <a:spAutoFit/>
+          </a:bodyPr>
+          <a:lstStyle/>
+          <a:p>
+            <a:pPr algn="l"/>
+            <a:r>
+              <a:rPr lang="en-US" altLang="ko-KR" sz="2000">
+                <a:latin typeface="Consolas" panose="020B0609020204030204" pitchFamily="49" charset="0"/>
+              </a:rPr>
+              <a:t>gu_name = []</a:t>
+            </a:r>
+          </a:p>
+          <a:p>
+            <a:pPr algn="l"/>
+            <a:endParaRPr lang="en-US" altLang="ko-KR" sz="2000">
+              <a:latin typeface="Consolas" panose="020B0609020204030204" pitchFamily="49" charset="0"/>
+            </a:endParaRPr>
+          </a:p>
+          <a:p>
+            <a:pPr algn="l"/>
+            <a:r>
+              <a:rPr lang="en-US" altLang="ko-KR" sz="2000">
+                <a:latin typeface="Consolas" panose="020B0609020204030204" pitchFamily="49" charset="0"/>
+              </a:rPr>
+              <a:t>for name in station_addreess:</a:t>
+            </a:r>
+          </a:p>
+          <a:p>
+            <a:pPr algn="l"/>
+            <a:r>
+              <a:rPr lang="en-US" altLang="ko-KR" sz="2000">
+                <a:latin typeface="Consolas" panose="020B0609020204030204" pitchFamily="49" charset="0"/>
+              </a:rPr>
+              <a:t>    tmp = name.split()</a:t>
+            </a:r>
+          </a:p>
+          <a:p>
+            <a:pPr algn="l"/>
+            <a:r>
+              <a:rPr lang="en-US" altLang="ko-KR" sz="2000">
+                <a:latin typeface="Consolas" panose="020B0609020204030204" pitchFamily="49" charset="0"/>
+              </a:rPr>
+              <a:t>    </a:t>
+            </a:r>
+          </a:p>
+          <a:p>
+            <a:pPr algn="l"/>
+            <a:r>
+              <a:rPr lang="en-US" altLang="ko-KR" sz="2000">
+                <a:latin typeface="Consolas" panose="020B0609020204030204" pitchFamily="49" charset="0"/>
+              </a:rPr>
+              <a:t>    tmp_gu = [gu for gu in tmp if gu[-1] == '</a:t>
+            </a:r>
+            <a:r>
+              <a:rPr lang="ko-KR" altLang="en-US" sz="2000">
+                <a:latin typeface="Consolas" panose="020B0609020204030204" pitchFamily="49" charset="0"/>
+              </a:rPr>
+              <a:t>구</a:t>
+            </a:r>
+            <a:r>
+              <a:rPr lang="en-US" altLang="ko-KR" sz="2000">
+                <a:latin typeface="Consolas" panose="020B0609020204030204" pitchFamily="49" charset="0"/>
+              </a:rPr>
+              <a:t>'][0]</a:t>
+            </a:r>
+          </a:p>
+          <a:p>
+            <a:pPr algn="l"/>
+            <a:r>
+              <a:rPr lang="en-US" altLang="ko-KR" sz="2000">
+                <a:latin typeface="Consolas" panose="020B0609020204030204" pitchFamily="49" charset="0"/>
+              </a:rPr>
+              <a:t>    </a:t>
+            </a:r>
+          </a:p>
+          <a:p>
+            <a:pPr algn="l"/>
+            <a:r>
+              <a:rPr lang="en-US" altLang="ko-KR" sz="2000">
+                <a:latin typeface="Consolas" panose="020B0609020204030204" pitchFamily="49" charset="0"/>
+              </a:rPr>
+              <a:t>    gu_name.append(tmp_gu)</a:t>
+            </a:r>
+          </a:p>
+          <a:p>
+            <a:pPr algn="l"/>
+            <a:r>
+              <a:rPr lang="en-US" altLang="ko-KR" sz="2000">
+                <a:latin typeface="Consolas" panose="020B0609020204030204" pitchFamily="49" charset="0"/>
+              </a:rPr>
+              <a:t>    </a:t>
+            </a:r>
+          </a:p>
+          <a:p>
+            <a:pPr algn="l"/>
+            <a:r>
+              <a:rPr lang="en-US" altLang="ko-KR" sz="2000">
+                <a:latin typeface="Consolas" panose="020B0609020204030204" pitchFamily="49" charset="0"/>
+              </a:rPr>
+              <a:t>crime_anal_police['</a:t>
+            </a:r>
+            <a:r>
+              <a:rPr lang="ko-KR" altLang="en-US" sz="2000">
+                <a:latin typeface="Consolas" panose="020B0609020204030204" pitchFamily="49" charset="0"/>
+              </a:rPr>
+              <a:t>구별</a:t>
+            </a:r>
+            <a:r>
+              <a:rPr lang="en-US" altLang="ko-KR" sz="2000">
+                <a:latin typeface="Consolas" panose="020B0609020204030204" pitchFamily="49" charset="0"/>
+              </a:rPr>
+              <a:t>'] = gu_name</a:t>
+            </a:r>
+          </a:p>
+          <a:p>
+            <a:pPr algn="l"/>
+            <a:r>
+              <a:rPr lang="en-US" altLang="ko-KR" sz="2000">
+                <a:latin typeface="Consolas" panose="020B0609020204030204" pitchFamily="49" charset="0"/>
+              </a:rPr>
+              <a:t>crime_anal_police.head()</a:t>
+            </a:r>
+            <a:endParaRPr lang="ko-KR" altLang="en-US" sz="2000" dirty="0">
+              <a:latin typeface="Consolas" panose="020B0609020204030204" pitchFamily="49" charset="0"/>
+            </a:endParaRPr>
+          </a:p>
+        </p:txBody>
+      </p:sp>
+      <p:sp>
+        <p:nvSpPr>
+          <p:cNvPr id="5" name="TextBox 4">
+            <a:extLst>
+              <a:ext uri="{FF2B5EF4-FFF2-40B4-BE49-F238E27FC236}">
+                <a16:creationId xmlns:a16="http://schemas.microsoft.com/office/drawing/2014/main" id="{C34FF722-981B-4FF9-8E66-45F3053652BC}"/>
+              </a:ext>
+            </a:extLst>
+          </p:cNvPr>
+          <p:cNvSpPr txBox="1"/>
+          <p:nvPr/>
+        </p:nvSpPr>
+        <p:spPr>
+          <a:xfrm>
+            <a:off x="968720" y="3829616"/>
+            <a:ext cx="11971547" cy="2677656"/>
+          </a:xfrm>
+          <a:prstGeom prst="rect">
+            <a:avLst/>
+          </a:prstGeom>
+          <a:noFill/>
+        </p:spPr>
+        <p:txBody>
+          <a:bodyPr wrap="none" rtlCol="0">
+            <a:spAutoFit/>
+          </a:bodyPr>
+          <a:lstStyle/>
+          <a:p>
+            <a:pPr algn="l"/>
+            <a:r>
+              <a:rPr lang="en-US" altLang="ko-KR" sz="2800">
+                <a:latin typeface="Consolas" panose="020B0609020204030204" pitchFamily="49" charset="0"/>
+              </a:rPr>
+              <a:t>name = '</a:t>
+            </a:r>
+            <a:r>
+              <a:rPr lang="ko-KR" altLang="en-US" sz="2800">
+                <a:latin typeface="Consolas" panose="020B0609020204030204" pitchFamily="49" charset="0"/>
+              </a:rPr>
+              <a:t>대한민국 서울특별시 중구 을지로동 수표로 </a:t>
+            </a:r>
+            <a:r>
+              <a:rPr lang="en-US" altLang="ko-KR" sz="2800">
+                <a:latin typeface="Consolas" panose="020B0609020204030204" pitchFamily="49" charset="0"/>
+              </a:rPr>
+              <a:t>27'</a:t>
+            </a:r>
+          </a:p>
+          <a:p>
+            <a:pPr algn="l"/>
+            <a:r>
+              <a:rPr lang="en-US" altLang="ko-KR" sz="2800">
+                <a:latin typeface="Consolas" panose="020B0609020204030204" pitchFamily="49" charset="0"/>
+              </a:rPr>
+              <a:t>tmp = ['</a:t>
+            </a:r>
+            <a:r>
+              <a:rPr lang="ko-KR" altLang="en-US" sz="2800">
+                <a:latin typeface="Consolas" panose="020B0609020204030204" pitchFamily="49" charset="0"/>
+              </a:rPr>
+              <a:t>대한민국</a:t>
+            </a:r>
+            <a:r>
+              <a:rPr lang="en-US" altLang="ko-KR" sz="2800">
+                <a:latin typeface="Consolas" panose="020B0609020204030204" pitchFamily="49" charset="0"/>
+              </a:rPr>
+              <a:t>','</a:t>
+            </a:r>
+            <a:r>
+              <a:rPr lang="ko-KR" altLang="en-US" sz="2800">
+                <a:latin typeface="Consolas" panose="020B0609020204030204" pitchFamily="49" charset="0"/>
+              </a:rPr>
+              <a:t>서울특별시</a:t>
+            </a:r>
+            <a:r>
+              <a:rPr lang="en-US" altLang="ko-KR" sz="2800">
+                <a:latin typeface="Consolas" panose="020B0609020204030204" pitchFamily="49" charset="0"/>
+              </a:rPr>
+              <a:t>','</a:t>
+            </a:r>
+            <a:r>
+              <a:rPr lang="ko-KR" altLang="en-US" sz="2800">
+                <a:latin typeface="Consolas" panose="020B0609020204030204" pitchFamily="49" charset="0"/>
+              </a:rPr>
+              <a:t>중구</a:t>
+            </a:r>
+            <a:r>
+              <a:rPr lang="en-US" altLang="ko-KR" sz="2800">
+                <a:latin typeface="Consolas" panose="020B0609020204030204" pitchFamily="49" charset="0"/>
+              </a:rPr>
+              <a:t>','</a:t>
+            </a:r>
+            <a:r>
+              <a:rPr lang="ko-KR" altLang="en-US" sz="2800">
+                <a:latin typeface="Consolas" panose="020B0609020204030204" pitchFamily="49" charset="0"/>
+              </a:rPr>
+              <a:t>을지로동</a:t>
+            </a:r>
+            <a:r>
+              <a:rPr lang="en-US" altLang="ko-KR" sz="2800">
+                <a:latin typeface="Consolas" panose="020B0609020204030204" pitchFamily="49" charset="0"/>
+              </a:rPr>
+              <a:t>','</a:t>
+            </a:r>
+            <a:r>
+              <a:rPr lang="ko-KR" altLang="en-US" sz="2800">
+                <a:latin typeface="Consolas" panose="020B0609020204030204" pitchFamily="49" charset="0"/>
+              </a:rPr>
+              <a:t>수표로</a:t>
+            </a:r>
+            <a:r>
+              <a:rPr lang="en-US" altLang="ko-KR" sz="2800">
+                <a:latin typeface="Consolas" panose="020B0609020204030204" pitchFamily="49" charset="0"/>
+              </a:rPr>
+              <a:t>','27']</a:t>
+            </a:r>
+          </a:p>
+          <a:p>
+            <a:pPr algn="l"/>
+            <a:r>
+              <a:rPr lang="en-US" altLang="ko-KR" sz="2800">
+                <a:latin typeface="Consolas" panose="020B0609020204030204" pitchFamily="49" charset="0"/>
+              </a:rPr>
+              <a:t>gu = '</a:t>
+            </a:r>
+            <a:r>
+              <a:rPr lang="ko-KR" altLang="en-US" sz="2800">
+                <a:latin typeface="Consolas" panose="020B0609020204030204" pitchFamily="49" charset="0"/>
+              </a:rPr>
+              <a:t>중</a:t>
+            </a:r>
+            <a:r>
+              <a:rPr lang="ko-KR" altLang="en-US" sz="2800">
+                <a:solidFill>
+                  <a:srgbClr val="FF0000"/>
+                </a:solidFill>
+                <a:latin typeface="Consolas" panose="020B0609020204030204" pitchFamily="49" charset="0"/>
+              </a:rPr>
+              <a:t>구</a:t>
+            </a:r>
+            <a:r>
+              <a:rPr lang="en-US" altLang="ko-KR" sz="2800">
+                <a:latin typeface="Consolas" panose="020B0609020204030204" pitchFamily="49" charset="0"/>
+              </a:rPr>
+              <a:t>'</a:t>
+            </a:r>
+          </a:p>
+          <a:p>
+            <a:pPr algn="l"/>
+            <a:r>
+              <a:rPr lang="en-US" altLang="ko-KR" sz="2800">
+                <a:latin typeface="Consolas" panose="020B0609020204030204" pitchFamily="49" charset="0"/>
+              </a:rPr>
+              <a:t>['</a:t>
+            </a:r>
+            <a:r>
+              <a:rPr lang="ko-KR" altLang="en-US" sz="2800">
+                <a:latin typeface="Consolas" panose="020B0609020204030204" pitchFamily="49" charset="0"/>
+              </a:rPr>
+              <a:t>중구</a:t>
+            </a:r>
+            <a:r>
+              <a:rPr lang="en-US" altLang="ko-KR" sz="2800">
+                <a:latin typeface="Consolas" panose="020B0609020204030204" pitchFamily="49" charset="0"/>
+              </a:rPr>
+              <a:t>'][0]</a:t>
+            </a:r>
+          </a:p>
+          <a:p>
+            <a:pPr algn="l"/>
+            <a:r>
+              <a:rPr lang="en-US" altLang="ko-KR" sz="2800">
+                <a:latin typeface="Consolas" panose="020B0609020204030204" pitchFamily="49" charset="0"/>
+              </a:rPr>
+              <a:t>'</a:t>
+            </a:r>
+            <a:r>
+              <a:rPr lang="ko-KR" altLang="en-US" sz="2800">
+                <a:latin typeface="Consolas" panose="020B0609020204030204" pitchFamily="49" charset="0"/>
+              </a:rPr>
+              <a:t>중구</a:t>
+            </a:r>
+            <a:r>
+              <a:rPr lang="en-US" altLang="ko-KR" sz="2800">
+                <a:latin typeface="Consolas" panose="020B0609020204030204" pitchFamily="49" charset="0"/>
+              </a:rPr>
+              <a:t>'</a:t>
+            </a:r>
+          </a:p>
+          <a:p>
+            <a:pPr algn="l"/>
+            <a:r>
+              <a:rPr lang="en-US" altLang="ko-KR" sz="2800">
+                <a:latin typeface="Consolas" panose="020B0609020204030204" pitchFamily="49" charset="0"/>
+              </a:rPr>
+              <a:t>gu_name = ['</a:t>
+            </a:r>
+            <a:r>
+              <a:rPr lang="ko-KR" altLang="en-US" sz="2800">
+                <a:latin typeface="Consolas" panose="020B0609020204030204" pitchFamily="49" charset="0"/>
+              </a:rPr>
+              <a:t>중구</a:t>
+            </a:r>
+            <a:r>
+              <a:rPr lang="en-US" altLang="ko-KR" sz="2800">
+                <a:latin typeface="Consolas" panose="020B0609020204030204" pitchFamily="49" charset="0"/>
+              </a:rPr>
+              <a:t>',...]</a:t>
+            </a:r>
+            <a:endParaRPr lang="ko-KR" altLang="en-US" sz="2800" dirty="0">
+              <a:latin typeface="Consolas" panose="020B0609020204030204" pitchFamily="49" charset="0"/>
+            </a:endParaRPr>
+          </a:p>
+        </p:txBody>
+      </p:sp>
+    </p:spTree>
+    <p:extLst>
+      <p:ext uri="{BB962C8B-B14F-4D97-AF65-F5344CB8AC3E}">
+        <p14:creationId xmlns:p14="http://schemas.microsoft.com/office/powerpoint/2010/main" val="116084938"/>
+      </p:ext>
+    </p:extLst>
+  </p:cSld>
+  <p:clrMapOvr>
+    <a:masterClrMapping/>
+  </p:clrMapOvr>
+</p:sld>
+</file>
+
+<file path=ppt/slides/slide6.xml><?xml version="1.0" encoding="utf-8"?>
+<p:sld xmlns:a="http://schemas.openxmlformats.org/drawingml/2006/main" xmlns:r="http://schemas.openxmlformats.org/officeDocument/2006/relationships" xmlns:p="http://schemas.openxmlformats.org/presentationml/2006/main">
+  <p:cSld>
+    <p:spTree>
+      <p:nvGrpSpPr>
+        <p:cNvPr id="1" name=""/>
+        <p:cNvGrpSpPr/>
+        <p:nvPr/>
+      </p:nvGrpSpPr>
+      <p:grpSpPr>
+        <a:xfrm>
+          <a:off x="0" y="0"/>
+          <a:ext cx="0" cy="0"/>
+          <a:chOff x="0" y="0"/>
+          <a:chExt cx="0" cy="0"/>
+        </a:xfrm>
+      </p:grpSpPr>
+      <p:sp>
+        <p:nvSpPr>
+          <p:cNvPr id="4" name="TextBox 3">
+            <a:extLst>
+              <a:ext uri="{FF2B5EF4-FFF2-40B4-BE49-F238E27FC236}">
+                <a16:creationId xmlns:a16="http://schemas.microsoft.com/office/drawing/2014/main" id="{D79403D8-FAE5-4184-9A62-2583D12855B6}"/>
+              </a:ext>
+            </a:extLst>
+          </p:cNvPr>
+          <p:cNvSpPr txBox="1"/>
+          <p:nvPr/>
+        </p:nvSpPr>
+        <p:spPr>
+          <a:xfrm>
+            <a:off x="968720" y="264370"/>
+            <a:ext cx="5968301" cy="1938992"/>
+          </a:xfrm>
+          <a:prstGeom prst="rect">
+            <a:avLst/>
+          </a:prstGeom>
+          <a:noFill/>
+        </p:spPr>
+        <p:txBody>
+          <a:bodyPr wrap="none" rtlCol="0">
+            <a:spAutoFit/>
+          </a:bodyPr>
+          <a:lstStyle/>
+          <a:p>
+            <a:pPr algn="l"/>
+            <a:r>
+              <a:rPr lang="en-US" altLang="ko-KR" sz="2000">
+                <a:latin typeface="Consolas" panose="020B0609020204030204" pitchFamily="49" charset="0"/>
+              </a:rPr>
+              <a:t>def MinMaxScaler( data ):</a:t>
+            </a:r>
+          </a:p>
+          <a:p>
+            <a:pPr algn="l"/>
+            <a:r>
+              <a:rPr lang="en-US" altLang="ko-KR" sz="2000">
+                <a:latin typeface="Consolas" panose="020B0609020204030204" pitchFamily="49" charset="0"/>
+              </a:rPr>
+              <a:t>    min = data.min</a:t>
+            </a:r>
+          </a:p>
+          <a:p>
+            <a:pPr algn="l"/>
+            <a:r>
+              <a:rPr lang="en-US" altLang="ko-KR" sz="2000">
+                <a:latin typeface="Consolas" panose="020B0609020204030204" pitchFamily="49" charset="0"/>
+              </a:rPr>
+              <a:t>    max = data.max</a:t>
+            </a:r>
+          </a:p>
+          <a:p>
+            <a:pPr algn="l"/>
+            <a:r>
+              <a:rPr lang="en-US" altLang="ko-KR" sz="2000">
+                <a:latin typeface="Consolas" panose="020B0609020204030204" pitchFamily="49" charset="0"/>
+              </a:rPr>
+              <a:t>    for i in range(len(data)):</a:t>
+            </a:r>
+          </a:p>
+          <a:p>
+            <a:pPr algn="l"/>
+            <a:r>
+              <a:rPr lang="en-US" altLang="ko-KR" sz="2000">
+                <a:latin typeface="Consolas" panose="020B0609020204030204" pitchFamily="49" charset="0"/>
+              </a:rPr>
+              <a:t>        data[i] = (data[i]-min)/(max-min)</a:t>
+            </a:r>
+          </a:p>
+          <a:p>
+            <a:pPr algn="l"/>
+            <a:endParaRPr lang="ko-KR" altLang="en-US" sz="2000" dirty="0">
+              <a:latin typeface="Consolas" panose="020B0609020204030204" pitchFamily="49" charset="0"/>
+            </a:endParaRPr>
+          </a:p>
+        </p:txBody>
+      </p:sp>
+      <p:sp>
+        <p:nvSpPr>
+          <p:cNvPr id="2" name="TextBox 1">
+            <a:extLst>
+              <a:ext uri="{FF2B5EF4-FFF2-40B4-BE49-F238E27FC236}">
+                <a16:creationId xmlns:a16="http://schemas.microsoft.com/office/drawing/2014/main" id="{DFFAFB09-FAB9-407B-B7AE-8BFD489A3C54}"/>
+              </a:ext>
+            </a:extLst>
+          </p:cNvPr>
+          <p:cNvSpPr txBox="1"/>
+          <p:nvPr/>
+        </p:nvSpPr>
+        <p:spPr>
+          <a:xfrm>
+            <a:off x="7976103" y="325925"/>
+            <a:ext cx="4410182" cy="1815882"/>
+          </a:xfrm>
+          <a:prstGeom prst="rect">
+            <a:avLst/>
+          </a:prstGeom>
+          <a:noFill/>
+        </p:spPr>
+        <p:txBody>
+          <a:bodyPr wrap="none" rtlCol="0">
+            <a:spAutoFit/>
+          </a:bodyPr>
+          <a:lstStyle/>
+          <a:p>
+            <a:pPr algn="l"/>
+            <a:r>
+              <a:rPr lang="en-US" altLang="ko-KR" sz="2800" b="0" i="0">
+                <a:solidFill>
+                  <a:srgbClr val="000000"/>
+                </a:solidFill>
+                <a:effectLst/>
+                <a:latin typeface="Helvetica Neue"/>
+              </a:rPr>
+              <a:t>max = 3850</a:t>
+            </a:r>
+          </a:p>
+          <a:p>
+            <a:pPr algn="l"/>
+            <a:r>
+              <a:rPr lang="en-US" altLang="ko-KR" sz="2800">
+                <a:solidFill>
+                  <a:srgbClr val="000000"/>
+                </a:solidFill>
+                <a:latin typeface="Helvetica Neue"/>
+              </a:rPr>
+              <a:t>min = </a:t>
+            </a:r>
+            <a:r>
+              <a:rPr lang="en-US" altLang="ko-KR" sz="2800" b="0" i="0">
+                <a:solidFill>
+                  <a:srgbClr val="000000"/>
+                </a:solidFill>
+                <a:effectLst/>
+                <a:latin typeface="Helvetica Neue"/>
+              </a:rPr>
+              <a:t>1063</a:t>
+            </a:r>
+            <a:endParaRPr lang="en-US" altLang="ko-KR" sz="2800">
+              <a:solidFill>
+                <a:srgbClr val="000000"/>
+              </a:solidFill>
+              <a:latin typeface="Helvetica Neue"/>
+            </a:endParaRPr>
+          </a:p>
+          <a:p>
+            <a:pPr algn="l"/>
+            <a:endParaRPr lang="en-US" altLang="ko-KR" sz="2800">
+              <a:solidFill>
+                <a:srgbClr val="000000"/>
+              </a:solidFill>
+              <a:latin typeface="Helvetica Neue"/>
+            </a:endParaRPr>
+          </a:p>
+          <a:p>
+            <a:pPr algn="l"/>
+            <a:r>
+              <a:rPr lang="en-US" altLang="ko-KR" sz="2800" b="0" i="0">
+                <a:solidFill>
+                  <a:srgbClr val="000000"/>
+                </a:solidFill>
+                <a:effectLst/>
+                <a:latin typeface="Helvetica Neue"/>
+              </a:rPr>
+              <a:t>(2366-</a:t>
+            </a:r>
+            <a:r>
+              <a:rPr lang="ko-KR" altLang="en-US" sz="2800" b="0" i="0">
+                <a:solidFill>
+                  <a:srgbClr val="000000"/>
+                </a:solidFill>
+                <a:effectLst/>
+                <a:latin typeface="Helvetica Neue"/>
+              </a:rPr>
+              <a:t> </a:t>
+            </a:r>
+            <a:r>
+              <a:rPr lang="en-US" altLang="ko-KR" sz="2800" b="0" i="0">
+                <a:solidFill>
+                  <a:srgbClr val="000000"/>
+                </a:solidFill>
+                <a:effectLst/>
+                <a:latin typeface="Helvetica Neue"/>
+              </a:rPr>
+              <a:t>1063)/(3850-</a:t>
+            </a:r>
+            <a:r>
+              <a:rPr lang="ko-KR" altLang="en-US" sz="2800" b="0" i="0">
+                <a:solidFill>
+                  <a:srgbClr val="000000"/>
+                </a:solidFill>
+                <a:effectLst/>
+                <a:latin typeface="Helvetica Neue"/>
+              </a:rPr>
+              <a:t> </a:t>
+            </a:r>
+            <a:r>
+              <a:rPr lang="en-US" altLang="ko-KR" sz="2800" b="0" i="0">
+                <a:solidFill>
+                  <a:srgbClr val="000000"/>
+                </a:solidFill>
+                <a:effectLst/>
+                <a:latin typeface="Helvetica Neue"/>
+              </a:rPr>
+              <a:t>1063)</a:t>
+            </a:r>
+            <a:endParaRPr lang="ko-KR" altLang="en-US" sz="2800" dirty="0">
+              <a:latin typeface="Consolas" panose="020B0609020204030204" pitchFamily="49" charset="0"/>
+            </a:endParaRPr>
+          </a:p>
+        </p:txBody>
+      </p:sp>
+    </p:spTree>
+    <p:extLst>
+      <p:ext uri="{BB962C8B-B14F-4D97-AF65-F5344CB8AC3E}">
+        <p14:creationId xmlns:p14="http://schemas.microsoft.com/office/powerpoint/2010/main" val="303510299"/>
       </p:ext>
     </p:extLst>
   </p:cSld>
